--- a/8-msa/auth/-. 인증, 허가, 세션.pptx
+++ b/8-msa/auth/-. 인증, 허가, 세션.pptx
@@ -272,7 +272,7 @@
           <a:p>
             <a:fld id="{BE385318-83E2-4817-A0DC-E225F8203930}" type="datetimeFigureOut">
               <a:rPr lang="ko-KR" altLang="en-US" smtClean="0"/>
-              <a:t>2021-10-14</a:t>
+              <a:t>2021-10-15</a:t>
             </a:fld>
             <a:endParaRPr lang="ko-KR" altLang="en-US"/>
           </a:p>
@@ -470,7 +470,7 @@
           <a:p>
             <a:fld id="{BE385318-83E2-4817-A0DC-E225F8203930}" type="datetimeFigureOut">
               <a:rPr lang="ko-KR" altLang="en-US" smtClean="0"/>
-              <a:t>2021-10-14</a:t>
+              <a:t>2021-10-15</a:t>
             </a:fld>
             <a:endParaRPr lang="ko-KR" altLang="en-US"/>
           </a:p>
@@ -678,7 +678,7 @@
           <a:p>
             <a:fld id="{BE385318-83E2-4817-A0DC-E225F8203930}" type="datetimeFigureOut">
               <a:rPr lang="ko-KR" altLang="en-US" smtClean="0"/>
-              <a:t>2021-10-14</a:t>
+              <a:t>2021-10-15</a:t>
             </a:fld>
             <a:endParaRPr lang="ko-KR" altLang="en-US"/>
           </a:p>
@@ -876,7 +876,7 @@
           <a:p>
             <a:fld id="{BE385318-83E2-4817-A0DC-E225F8203930}" type="datetimeFigureOut">
               <a:rPr lang="ko-KR" altLang="en-US" smtClean="0"/>
-              <a:t>2021-10-14</a:t>
+              <a:t>2021-10-15</a:t>
             </a:fld>
             <a:endParaRPr lang="ko-KR" altLang="en-US"/>
           </a:p>
@@ -1151,7 +1151,7 @@
           <a:p>
             <a:fld id="{BE385318-83E2-4817-A0DC-E225F8203930}" type="datetimeFigureOut">
               <a:rPr lang="ko-KR" altLang="en-US" smtClean="0"/>
-              <a:t>2021-10-14</a:t>
+              <a:t>2021-10-15</a:t>
             </a:fld>
             <a:endParaRPr lang="ko-KR" altLang="en-US"/>
           </a:p>
@@ -1416,7 +1416,7 @@
           <a:p>
             <a:fld id="{BE385318-83E2-4817-A0DC-E225F8203930}" type="datetimeFigureOut">
               <a:rPr lang="ko-KR" altLang="en-US" smtClean="0"/>
-              <a:t>2021-10-14</a:t>
+              <a:t>2021-10-15</a:t>
             </a:fld>
             <a:endParaRPr lang="ko-KR" altLang="en-US"/>
           </a:p>
@@ -1828,7 +1828,7 @@
           <a:p>
             <a:fld id="{BE385318-83E2-4817-A0DC-E225F8203930}" type="datetimeFigureOut">
               <a:rPr lang="ko-KR" altLang="en-US" smtClean="0"/>
-              <a:t>2021-10-14</a:t>
+              <a:t>2021-10-15</a:t>
             </a:fld>
             <a:endParaRPr lang="ko-KR" altLang="en-US"/>
           </a:p>
@@ -1969,7 +1969,7 @@
           <a:p>
             <a:fld id="{BE385318-83E2-4817-A0DC-E225F8203930}" type="datetimeFigureOut">
               <a:rPr lang="ko-KR" altLang="en-US" smtClean="0"/>
-              <a:t>2021-10-14</a:t>
+              <a:t>2021-10-15</a:t>
             </a:fld>
             <a:endParaRPr lang="ko-KR" altLang="en-US"/>
           </a:p>
@@ -2082,7 +2082,7 @@
           <a:p>
             <a:fld id="{BE385318-83E2-4817-A0DC-E225F8203930}" type="datetimeFigureOut">
               <a:rPr lang="ko-KR" altLang="en-US" smtClean="0"/>
-              <a:t>2021-10-14</a:t>
+              <a:t>2021-10-15</a:t>
             </a:fld>
             <a:endParaRPr lang="ko-KR" altLang="en-US"/>
           </a:p>
@@ -2393,7 +2393,7 @@
           <a:p>
             <a:fld id="{BE385318-83E2-4817-A0DC-E225F8203930}" type="datetimeFigureOut">
               <a:rPr lang="ko-KR" altLang="en-US" smtClean="0"/>
-              <a:t>2021-10-14</a:t>
+              <a:t>2021-10-15</a:t>
             </a:fld>
             <a:endParaRPr lang="ko-KR" altLang="en-US"/>
           </a:p>
@@ -2681,7 +2681,7 @@
           <a:p>
             <a:fld id="{BE385318-83E2-4817-A0DC-E225F8203930}" type="datetimeFigureOut">
               <a:rPr lang="ko-KR" altLang="en-US" smtClean="0"/>
-              <a:t>2021-10-14</a:t>
+              <a:t>2021-10-15</a:t>
             </a:fld>
             <a:endParaRPr lang="ko-KR" altLang="en-US"/>
           </a:p>
@@ -2922,7 +2922,7 @@
           <a:p>
             <a:fld id="{BE385318-83E2-4817-A0DC-E225F8203930}" type="datetimeFigureOut">
               <a:rPr lang="ko-KR" altLang="en-US" smtClean="0"/>
-              <a:t>2021-10-14</a:t>
+              <a:t>2021-10-15</a:t>
             </a:fld>
             <a:endParaRPr lang="ko-KR" altLang="en-US"/>
           </a:p>
@@ -9889,15 +9889,7 @@
           <a:p>
             <a:r>
               <a:rPr lang="ko-KR" altLang="en-US" sz="3600" dirty="0" smtClean="0"/>
-              <a:t>인증 </a:t>
-            </a:r>
-            <a:r>
-              <a:rPr lang="ko-KR" altLang="en-US" sz="3600" dirty="0" smtClean="0"/>
-              <a:t>및 </a:t>
-            </a:r>
-            <a:r>
-              <a:rPr lang="ko-KR" altLang="en-US" sz="3600" dirty="0" smtClean="0"/>
-              <a:t>토큰 처리 프로세스 </a:t>
+              <a:t>인증 및 토큰 처리 프로세스 </a:t>
             </a:r>
             <a:r>
               <a:rPr lang="en-US" altLang="ko-KR" sz="3600" dirty="0" smtClean="0"/>
@@ -11247,11 +11239,7 @@
           <a:p>
             <a:r>
               <a:rPr lang="ko-KR" altLang="en-US" sz="1200" dirty="0" smtClean="0"/>
-              <a:t>인증 서비스</a:t>
-            </a:r>
-            <a:r>
-              <a:rPr lang="ko-KR" altLang="en-US" sz="1200" dirty="0" smtClean="0"/>
-              <a:t> 이동</a:t>
+              <a:t>인증 서비스 이동</a:t>
             </a:r>
             <a:endParaRPr lang="ko-KR" altLang="en-US" sz="1200" dirty="0"/>
           </a:p>
@@ -11383,11 +11371,7 @@
           <a:p>
             <a:r>
               <a:rPr lang="en-US" altLang="ko-KR" sz="1200" dirty="0" smtClean="0"/>
-              <a:t>d</a:t>
-            </a:r>
-            <a:r>
-              <a:rPr lang="en-US" altLang="ko-KR" sz="1200" dirty="0" smtClean="0"/>
-              <a:t>omain=xxx.com</a:t>
+              <a:t>domain=xxx.com</a:t>
             </a:r>
           </a:p>
         </p:txBody>
@@ -14727,13 +14711,26 @@
             <a:p>
               <a:pPr algn="ctr" eaLnBrk="1" hangingPunct="1"/>
               <a:r>
-                <a:rPr lang="en-US" altLang="en-US" sz="1200" dirty="0">
+                <a:rPr lang="en-US" altLang="en-US" sz="1200" dirty="0" err="1" smtClean="0">
                   <a:latin typeface="Arial" panose="020B0604020202020204" pitchFamily="34" charset="0"/>
                   <a:ea typeface="Amazon Ember" pitchFamily="34" charset="0"/>
                   <a:cs typeface="Arial" panose="020B0604020202020204" pitchFamily="34" charset="0"/>
                 </a:rPr>
-                <a:t>Auth Service</a:t>
+                <a:t>Auth</a:t>
               </a:r>
+              <a:r>
+                <a:rPr lang="en-US" altLang="en-US" sz="1200" dirty="0" err="1" smtClean="0">
+                  <a:latin typeface="Arial" panose="020B0604020202020204" pitchFamily="34" charset="0"/>
+                  <a:ea typeface="Amazon Ember" pitchFamily="34" charset="0"/>
+                  <a:cs typeface="Arial" panose="020B0604020202020204" pitchFamily="34" charset="0"/>
+                </a:rPr>
+                <a:t>Filter</a:t>
+              </a:r>
+              <a:endParaRPr lang="en-US" altLang="en-US" sz="1200" dirty="0">
+                <a:latin typeface="Arial" panose="020B0604020202020204" pitchFamily="34" charset="0"/>
+                <a:ea typeface="Amazon Ember" pitchFamily="34" charset="0"/>
+                <a:cs typeface="Arial" panose="020B0604020202020204" pitchFamily="34" charset="0"/>
+              </a:endParaRPr>
             </a:p>
           </p:txBody>
         </p:sp>
@@ -24656,11 +24653,7 @@
           <a:p>
             <a:r>
               <a:rPr lang="ko-KR" altLang="en-US" sz="1200" dirty="0" err="1" smtClean="0"/>
-              <a:t>인증</a:t>
-            </a:r>
-            <a:r>
-              <a:rPr lang="ko-KR" altLang="en-US" sz="1200" dirty="0" err="1" smtClean="0"/>
-              <a:t>요청</a:t>
+              <a:t>인증요청</a:t>
             </a:r>
             <a:endParaRPr lang="en-US" altLang="ko-KR" sz="1200" dirty="0" smtClean="0"/>
           </a:p>
@@ -24913,11 +24906,7 @@
           <a:p>
             <a:r>
               <a:rPr lang="en-US" altLang="ko-KR" sz="1200" dirty="0" smtClean="0"/>
-              <a:t>Header&gt; </a:t>
-            </a:r>
-            <a:r>
-              <a:rPr lang="en-US" altLang="ko-KR" sz="1200" dirty="0" smtClean="0"/>
-              <a:t>Token, </a:t>
+              <a:t>Header&gt; Token, </a:t>
             </a:r>
             <a:r>
               <a:rPr lang="ko-KR" altLang="en-US" sz="1200" dirty="0" smtClean="0"/>
@@ -26354,11 +26343,7 @@
           <a:p>
             <a:r>
               <a:rPr lang="en-US" altLang="ko-KR" sz="1200" dirty="0" smtClean="0"/>
-              <a:t>Header&gt; </a:t>
-            </a:r>
-            <a:r>
-              <a:rPr lang="en-US" altLang="ko-KR" sz="1200" dirty="0" smtClean="0"/>
-              <a:t>Token, </a:t>
+              <a:t>Header&gt; Token, </a:t>
             </a:r>
             <a:r>
               <a:rPr lang="ko-KR" altLang="en-US" sz="1200" dirty="0" smtClean="0"/>
@@ -27221,11 +27206,7 @@
           <a:p>
             <a:r>
               <a:rPr lang="ko-KR" altLang="en-US" sz="1200" dirty="0" err="1" smtClean="0"/>
-              <a:t>인증</a:t>
-            </a:r>
-            <a:r>
-              <a:rPr lang="ko-KR" altLang="en-US" sz="1200" dirty="0" err="1" smtClean="0"/>
-              <a:t>요청</a:t>
+              <a:t>인증요청</a:t>
             </a:r>
             <a:endParaRPr lang="en-US" altLang="ko-KR" sz="1200" dirty="0" smtClean="0"/>
           </a:p>
@@ -27766,15 +27747,7 @@
             </a:r>
             <a:r>
               <a:rPr lang="en-US" altLang="ko-KR" sz="3600" dirty="0" smtClean="0"/>
-              <a:t>– </a:t>
-            </a:r>
-            <a:r>
-              <a:rPr lang="en-US" altLang="ko-KR" sz="3600" dirty="0" smtClean="0"/>
-              <a:t>Gateway &amp; </a:t>
-            </a:r>
-            <a:r>
-              <a:rPr lang="en-US" altLang="ko-KR" sz="3600" dirty="0" smtClean="0"/>
-              <a:t>Session </a:t>
+              <a:t>– Gateway &amp; Session </a:t>
             </a:r>
             <a:r>
               <a:rPr lang="ko-KR" altLang="en-US" sz="3600" dirty="0" smtClean="0"/>
@@ -28487,22 +28460,14 @@
           <a:p>
             <a:r>
               <a:rPr lang="en-US" altLang="ko-KR" sz="1200" dirty="0" smtClean="0"/>
-              <a:t>Header: </a:t>
-            </a:r>
-            <a:r>
-              <a:rPr lang="en-US" altLang="ko-KR" sz="1200" dirty="0" smtClean="0"/>
-              <a:t>Token</a:t>
+              <a:t>Header: Token</a:t>
             </a:r>
             <a:endParaRPr lang="en-US" altLang="ko-KR" sz="1200" dirty="0"/>
           </a:p>
           <a:p>
             <a:r>
               <a:rPr lang="ko-KR" altLang="en-US" sz="1200" dirty="0" smtClean="0"/>
-              <a:t>서비스 </a:t>
-            </a:r>
-            <a:r>
-              <a:rPr lang="ko-KR" altLang="en-US" sz="1200" dirty="0" smtClean="0"/>
-              <a:t>접근</a:t>
+              <a:t>서비스 접근</a:t>
             </a:r>
             <a:r>
               <a:rPr lang="en-US" altLang="ko-KR" sz="1200" dirty="0" smtClean="0"/>
@@ -28542,7 +28507,6 @@
               <a:rPr lang="en-US" altLang="ko-KR" sz="1200" dirty="0" smtClean="0"/>
               <a:t>Service</a:t>
             </a:r>
-            <a:endParaRPr lang="en-US" altLang="ko-KR" sz="1200" dirty="0" smtClean="0"/>
           </a:p>
         </p:txBody>
       </p:sp>
@@ -29129,11 +29093,7 @@
           <a:p>
             <a:r>
               <a:rPr lang="ko-KR" altLang="en-US" sz="1200" dirty="0" smtClean="0"/>
-              <a:t>세션저장소에 </a:t>
-            </a:r>
-            <a:r>
-              <a:rPr lang="ko-KR" altLang="en-US" sz="1200" dirty="0" smtClean="0"/>
-              <a:t>사용자 정보 저장</a:t>
+              <a:t>세션저장소에 사용자 정보 저장</a:t>
             </a:r>
             <a:endParaRPr lang="ko-KR" altLang="en-US" sz="1200" dirty="0"/>
           </a:p>
@@ -29163,22 +29123,14 @@
           <a:p>
             <a:r>
               <a:rPr lang="ko-KR" altLang="en-US" sz="1200" dirty="0" smtClean="0"/>
-              <a:t>토큰 </a:t>
-            </a:r>
-            <a:r>
-              <a:rPr lang="ko-KR" altLang="en-US" sz="1200" dirty="0" smtClean="0"/>
-              <a:t>유효성 확인 및 </a:t>
+              <a:t>토큰 유효성 확인 및 </a:t>
             </a:r>
             <a:endParaRPr lang="en-US" altLang="ko-KR" sz="1200" dirty="0" smtClean="0"/>
           </a:p>
           <a:p>
             <a:r>
               <a:rPr lang="ko-KR" altLang="en-US" sz="1200" dirty="0" smtClean="0"/>
-              <a:t>사용자 </a:t>
-            </a:r>
-            <a:r>
-              <a:rPr lang="ko-KR" altLang="en-US" sz="1200" dirty="0" smtClean="0"/>
-              <a:t>정보 조회</a:t>
+              <a:t>사용자 정보 조회</a:t>
             </a:r>
             <a:endParaRPr lang="ko-KR" altLang="en-US" sz="1200" dirty="0"/>
           </a:p>

--- a/8-msa/auth/-. 인증, 허가, 세션.pptx
+++ b/8-msa/auth/-. 인증, 허가, 세션.pptx
@@ -5163,7 +5163,7 @@
         <p:spPr>
           <a:xfrm>
             <a:off x="6697119" y="5714413"/>
-            <a:ext cx="3563149" cy="738664"/>
+            <a:ext cx="3563149" cy="954107"/>
           </a:xfrm>
           <a:prstGeom prst="rect">
             <a:avLst/>
@@ -5205,14 +5205,6 @@
             </a:r>
             <a:r>
               <a:rPr lang="en-US" altLang="ko-KR" sz="1400" dirty="0"/>
-              <a:t>, </a:t>
-            </a:r>
-            <a:r>
-              <a:rPr lang="en-US" altLang="ko-KR" sz="1400" dirty="0" err="1"/>
-              <a:t>sessionId</a:t>
-            </a:r>
-            <a:r>
-              <a:rPr lang="en-US" altLang="ko-KR" sz="1400" dirty="0"/>
               <a:t>)</a:t>
             </a:r>
           </a:p>
@@ -5231,7 +5223,15 @@
             </a:r>
             <a:r>
               <a:rPr lang="en-US" altLang="ko-KR" sz="1400" dirty="0"/>
-              <a:t>, role)</a:t>
+              <a:t>, role, </a:t>
+            </a:r>
+            <a:r>
+              <a:rPr lang="en-US" altLang="ko-KR" sz="1400" dirty="0" err="1"/>
+              <a:t>sessionId</a:t>
+            </a:r>
+            <a:r>
+              <a:rPr lang="en-US" altLang="ko-KR" sz="1400" dirty="0"/>
+              <a:t>)</a:t>
             </a:r>
             <a:endParaRPr lang="ko-KR" altLang="en-US" sz="1400" dirty="0"/>
           </a:p>
@@ -14716,15 +14716,7 @@
                   <a:ea typeface="Amazon Ember" pitchFamily="34" charset="0"/>
                   <a:cs typeface="Arial" panose="020B0604020202020204" pitchFamily="34" charset="0"/>
                 </a:rPr>
-                <a:t>Auth</a:t>
-              </a:r>
-              <a:r>
-                <a:rPr lang="en-US" altLang="en-US" sz="1200" dirty="0" err="1" smtClean="0">
-                  <a:latin typeface="Arial" panose="020B0604020202020204" pitchFamily="34" charset="0"/>
-                  <a:ea typeface="Amazon Ember" pitchFamily="34" charset="0"/>
-                  <a:cs typeface="Arial" panose="020B0604020202020204" pitchFamily="34" charset="0"/>
-                </a:rPr>
-                <a:t>Filter</a:t>
+                <a:t>AuthFilter</a:t>
               </a:r>
               <a:endParaRPr lang="en-US" altLang="en-US" sz="1200" dirty="0">
                 <a:latin typeface="Arial" panose="020B0604020202020204" pitchFamily="34" charset="0"/>
@@ -31285,7 +31277,7 @@
         <p:spPr>
           <a:xfrm>
             <a:off x="6798153" y="4904286"/>
-            <a:ext cx="3486187" cy="738664"/>
+            <a:ext cx="3486187" cy="954107"/>
           </a:xfrm>
           <a:prstGeom prst="rect">
             <a:avLst/>
@@ -31327,16 +31319,9 @@
             </a:r>
             <a:r>
               <a:rPr lang="en-US" altLang="ko-KR" sz="1400" dirty="0" smtClean="0"/>
-              <a:t>, </a:t>
-            </a:r>
-            <a:r>
-              <a:rPr lang="en-US" altLang="ko-KR" sz="1400" dirty="0" err="1" smtClean="0"/>
-              <a:t>sessionId</a:t>
-            </a:r>
-            <a:r>
-              <a:rPr lang="en-US" altLang="ko-KR" sz="1400" dirty="0" smtClean="0"/>
               <a:t>)</a:t>
             </a:r>
+            <a:endParaRPr lang="en-US" altLang="ko-KR" sz="1400" dirty="0" smtClean="0"/>
           </a:p>
           <a:p>
             <a:pPr marL="285750" indent="-285750">
@@ -31353,7 +31338,19 @@
             </a:r>
             <a:r>
               <a:rPr lang="en-US" altLang="ko-KR" sz="1400" dirty="0" smtClean="0"/>
-              <a:t>, role)</a:t>
+              <a:t>, </a:t>
+            </a:r>
+            <a:r>
+              <a:rPr lang="en-US" altLang="ko-KR" sz="1400" dirty="0"/>
+              <a:t>role, </a:t>
+            </a:r>
+            <a:r>
+              <a:rPr lang="en-US" altLang="ko-KR" sz="1400" dirty="0" err="1"/>
+              <a:t>sessionId</a:t>
+            </a:r>
+            <a:r>
+              <a:rPr lang="en-US" altLang="ko-KR" sz="1400" dirty="0"/>
+              <a:t>)</a:t>
             </a:r>
             <a:endParaRPr lang="ko-KR" altLang="en-US" sz="1400" dirty="0"/>
           </a:p>

--- a/8-msa/auth/-. 인증, 허가, 세션.pptx
+++ b/8-msa/auth/-. 인증, 허가, 세션.pptx
@@ -15,10 +15,11 @@
     <p:sldId id="270" r:id="rId9"/>
     <p:sldId id="258" r:id="rId10"/>
     <p:sldId id="260" r:id="rId11"/>
-    <p:sldId id="261" r:id="rId12"/>
-    <p:sldId id="271" r:id="rId13"/>
-    <p:sldId id="272" r:id="rId14"/>
-    <p:sldId id="259" r:id="rId15"/>
+    <p:sldId id="274" r:id="rId12"/>
+    <p:sldId id="261" r:id="rId13"/>
+    <p:sldId id="271" r:id="rId14"/>
+    <p:sldId id="272" r:id="rId15"/>
+    <p:sldId id="259" r:id="rId16"/>
   </p:sldIdLst>
   <p:sldSz cx="12192000" cy="6858000"/>
   <p:notesSz cx="6858000" cy="9144000"/>
@@ -5800,7 +5801,7 @@
         <p:spPr>
           <a:xfrm>
             <a:off x="3306555" y="2507946"/>
-            <a:ext cx="627095" cy="276999"/>
+            <a:ext cx="976742" cy="276999"/>
           </a:xfrm>
           <a:prstGeom prst="rect">
             <a:avLst/>
@@ -5815,11 +5816,11 @@
           <a:p>
             <a:r>
               <a:rPr lang="ko-KR" altLang="en-US" sz="1200" dirty="0" smtClean="0"/>
-              <a:t>세션</a:t>
+              <a:t>토큰</a:t>
             </a:r>
             <a:r>
               <a:rPr lang="en-US" altLang="ko-KR" sz="1200" dirty="0" smtClean="0"/>
-              <a:t>Id</a:t>
+              <a:t>(token)</a:t>
             </a:r>
             <a:endParaRPr lang="ko-KR" altLang="en-US" sz="1200" dirty="0"/>
           </a:p>
@@ -7330,7 +7331,7 @@
         <p:spPr>
           <a:xfrm>
             <a:off x="2794043" y="1964791"/>
-            <a:ext cx="3002360" cy="461665"/>
+            <a:ext cx="2780954" cy="461665"/>
           </a:xfrm>
           <a:prstGeom prst="rect">
             <a:avLst/>
@@ -7345,6 +7346,1903 @@
           <a:p>
             <a:r>
               <a:rPr lang="en-US" altLang="ko-KR" sz="1200" dirty="0" smtClean="0"/>
+              <a:t>GET /</a:t>
+            </a:r>
+            <a:r>
+              <a:rPr lang="en-US" altLang="ko-KR" sz="1200" dirty="0" err="1" smtClean="0"/>
+              <a:t>auth</a:t>
+            </a:r>
+            <a:r>
+              <a:rPr lang="en-US" altLang="ko-KR" sz="1200" dirty="0" smtClean="0"/>
+              <a:t>/profile</a:t>
+            </a:r>
+            <a:endParaRPr lang="en-US" altLang="ko-KR" sz="1200" dirty="0" smtClean="0"/>
+          </a:p>
+          <a:p>
+            <a:r>
+              <a:rPr lang="en-US" altLang="ko-KR" sz="1200" dirty="0" smtClean="0"/>
+              <a:t>Header -&gt; authorization: </a:t>
+            </a:r>
+            <a:r>
+              <a:rPr lang="en-US" altLang="ko-KR" sz="1200" dirty="0" smtClean="0"/>
+              <a:t>Bearer </a:t>
+            </a:r>
+            <a:r>
+              <a:rPr lang="ko-KR" altLang="en-US" sz="1200" dirty="0" smtClean="0"/>
+              <a:t>토큰</a:t>
+            </a:r>
+            <a:endParaRPr lang="ko-KR" altLang="en-US" sz="1200" dirty="0"/>
+          </a:p>
+        </p:txBody>
+      </p:sp>
+      <p:grpSp>
+        <p:nvGrpSpPr>
+          <p:cNvPr id="27" name="그룹 26">
+            <a:extLst>
+              <a:ext uri="{FF2B5EF4-FFF2-40B4-BE49-F238E27FC236}">
+                <a16:creationId xmlns:a16="http://schemas.microsoft.com/office/drawing/2014/main" id="{1F666C8E-758E-4BE4-B805-0C4809BCD0F4}"/>
+              </a:ext>
+            </a:extLst>
+          </p:cNvPr>
+          <p:cNvGrpSpPr/>
+          <p:nvPr/>
+        </p:nvGrpSpPr>
+        <p:grpSpPr>
+          <a:xfrm>
+            <a:off x="9470621" y="3422250"/>
+            <a:ext cx="1803419" cy="833997"/>
+            <a:chOff x="7881924" y="3158310"/>
+            <a:chExt cx="1803419" cy="833997"/>
+          </a:xfrm>
+        </p:grpSpPr>
+        <p:pic>
+          <p:nvPicPr>
+            <p:cNvPr id="28" name="Picture 4" descr="redis icon png 이미지 검색결과">
+              <a:extLst>
+                <a:ext uri="{FF2B5EF4-FFF2-40B4-BE49-F238E27FC236}">
+                  <a16:creationId xmlns:a16="http://schemas.microsoft.com/office/drawing/2014/main" id="{EA45A31E-8CA7-4F2C-908C-FFA3B9964F1B}"/>
+                </a:ext>
+              </a:extLst>
+            </p:cNvPr>
+            <p:cNvPicPr>
+              <a:picLocks noChangeAspect="1" noChangeArrowheads="1"/>
+            </p:cNvPicPr>
+            <p:nvPr/>
+          </p:nvPicPr>
+          <p:blipFill>
+            <a:blip r:embed="rId6" cstate="hqprint">
+              <a:extLst>
+                <a:ext uri="{28A0092B-C50C-407E-A947-70E740481C1C}">
+                  <a14:useLocalDpi xmlns:a14="http://schemas.microsoft.com/office/drawing/2010/main" val="0"/>
+                </a:ext>
+              </a:extLst>
+            </a:blip>
+            <a:srcRect/>
+            <a:stretch>
+              <a:fillRect/>
+            </a:stretch>
+          </p:blipFill>
+          <p:spPr bwMode="auto">
+            <a:xfrm>
+              <a:off x="8489831" y="3158310"/>
+              <a:ext cx="604675" cy="604675"/>
+            </a:xfrm>
+            <a:prstGeom prst="rect">
+              <a:avLst/>
+            </a:prstGeom>
+            <a:noFill/>
+            <a:extLst>
+              <a:ext uri="{909E8E84-426E-40DD-AFC4-6F175D3DCCD1}">
+                <a14:hiddenFill xmlns:a14="http://schemas.microsoft.com/office/drawing/2010/main">
+                  <a:solidFill>
+                    <a:srgbClr val="FFFFFF"/>
+                  </a:solidFill>
+                </a14:hiddenFill>
+              </a:ext>
+            </a:extLst>
+          </p:spPr>
+        </p:pic>
+        <p:sp>
+          <p:nvSpPr>
+            <p:cNvPr id="29" name="TextBox 6">
+              <a:extLst>
+                <a:ext uri="{FF2B5EF4-FFF2-40B4-BE49-F238E27FC236}">
+                  <a16:creationId xmlns:a16="http://schemas.microsoft.com/office/drawing/2014/main" id="{2E8BA513-6335-402C-B414-6602BF5B8C81}"/>
+                </a:ext>
+              </a:extLst>
+            </p:cNvPr>
+            <p:cNvSpPr txBox="1">
+              <a:spLocks noChangeArrowheads="1"/>
+            </p:cNvSpPr>
+            <p:nvPr/>
+          </p:nvSpPr>
+          <p:spPr bwMode="auto">
+            <a:xfrm>
+              <a:off x="7881924" y="3715308"/>
+              <a:ext cx="1803419" cy="276999"/>
+            </a:xfrm>
+            <a:prstGeom prst="rect">
+              <a:avLst/>
+            </a:prstGeom>
+            <a:noFill/>
+            <a:ln>
+              <a:noFill/>
+            </a:ln>
+            <a:extLst>
+              <a:ext uri="{909E8E84-426E-40DD-AFC4-6F175D3DCCD1}">
+                <a14:hiddenFill xmlns:a14="http://schemas.microsoft.com/office/drawing/2010/main">
+                  <a:solidFill>
+                    <a:srgbClr val="FFFFFF"/>
+                  </a:solidFill>
+                </a14:hiddenFill>
+              </a:ext>
+              <a:ext uri="{91240B29-F687-4F45-9708-019B960494DF}">
+                <a14:hiddenLine xmlns:a14="http://schemas.microsoft.com/office/drawing/2010/main" w="9525">
+                  <a:solidFill>
+                    <a:srgbClr val="000000"/>
+                  </a:solidFill>
+                  <a:miter lim="800000"/>
+                  <a:headEnd/>
+                  <a:tailEnd/>
+                </a14:hiddenLine>
+              </a:ext>
+            </a:extLst>
+          </p:spPr>
+          <p:txBody>
+            <a:bodyPr wrap="square">
+              <a:spAutoFit/>
+            </a:bodyPr>
+            <a:lstStyle>
+              <a:defPPr>
+                <a:defRPr lang="en-US"/>
+              </a:defPPr>
+              <a:lvl1pPr algn="l" rtl="0" eaLnBrk="0" fontAlgn="base" hangingPunct="0">
+                <a:spcBef>
+                  <a:spcPct val="0"/>
+                </a:spcBef>
+                <a:spcAft>
+                  <a:spcPct val="0"/>
+                </a:spcAft>
+                <a:defRPr kern="1200">
+                  <a:solidFill>
+                    <a:schemeClr val="tx1"/>
+                  </a:solidFill>
+                  <a:latin typeface="Calibri" panose="020F0502020204030204" pitchFamily="34" charset="0"/>
+                  <a:ea typeface="+mn-ea"/>
+                  <a:cs typeface="+mn-cs"/>
+                </a:defRPr>
+              </a:lvl1pPr>
+              <a:lvl2pPr marL="457200" algn="l" rtl="0" eaLnBrk="0" fontAlgn="base" hangingPunct="0">
+                <a:spcBef>
+                  <a:spcPct val="0"/>
+                </a:spcBef>
+                <a:spcAft>
+                  <a:spcPct val="0"/>
+                </a:spcAft>
+                <a:defRPr kern="1200">
+                  <a:solidFill>
+                    <a:schemeClr val="tx1"/>
+                  </a:solidFill>
+                  <a:latin typeface="Calibri" panose="020F0502020204030204" pitchFamily="34" charset="0"/>
+                  <a:ea typeface="+mn-ea"/>
+                  <a:cs typeface="+mn-cs"/>
+                </a:defRPr>
+              </a:lvl2pPr>
+              <a:lvl3pPr marL="914400" algn="l" rtl="0" eaLnBrk="0" fontAlgn="base" hangingPunct="0">
+                <a:spcBef>
+                  <a:spcPct val="0"/>
+                </a:spcBef>
+                <a:spcAft>
+                  <a:spcPct val="0"/>
+                </a:spcAft>
+                <a:defRPr kern="1200">
+                  <a:solidFill>
+                    <a:schemeClr val="tx1"/>
+                  </a:solidFill>
+                  <a:latin typeface="Calibri" panose="020F0502020204030204" pitchFamily="34" charset="0"/>
+                  <a:ea typeface="+mn-ea"/>
+                  <a:cs typeface="+mn-cs"/>
+                </a:defRPr>
+              </a:lvl3pPr>
+              <a:lvl4pPr marL="1371600" algn="l" rtl="0" eaLnBrk="0" fontAlgn="base" hangingPunct="0">
+                <a:spcBef>
+                  <a:spcPct val="0"/>
+                </a:spcBef>
+                <a:spcAft>
+                  <a:spcPct val="0"/>
+                </a:spcAft>
+                <a:defRPr kern="1200">
+                  <a:solidFill>
+                    <a:schemeClr val="tx1"/>
+                  </a:solidFill>
+                  <a:latin typeface="Calibri" panose="020F0502020204030204" pitchFamily="34" charset="0"/>
+                  <a:ea typeface="+mn-ea"/>
+                  <a:cs typeface="+mn-cs"/>
+                </a:defRPr>
+              </a:lvl4pPr>
+              <a:lvl5pPr marL="1828800" algn="l" rtl="0" eaLnBrk="0" fontAlgn="base" hangingPunct="0">
+                <a:spcBef>
+                  <a:spcPct val="0"/>
+                </a:spcBef>
+                <a:spcAft>
+                  <a:spcPct val="0"/>
+                </a:spcAft>
+                <a:defRPr kern="1200">
+                  <a:solidFill>
+                    <a:schemeClr val="tx1"/>
+                  </a:solidFill>
+                  <a:latin typeface="Calibri" panose="020F0502020204030204" pitchFamily="34" charset="0"/>
+                  <a:ea typeface="+mn-ea"/>
+                  <a:cs typeface="+mn-cs"/>
+                </a:defRPr>
+              </a:lvl5pPr>
+              <a:lvl6pPr marL="2286000" algn="l" defTabSz="914400" rtl="0" eaLnBrk="1" latinLnBrk="1" hangingPunct="1">
+                <a:defRPr kern="1200">
+                  <a:solidFill>
+                    <a:schemeClr val="tx1"/>
+                  </a:solidFill>
+                  <a:latin typeface="Calibri" panose="020F0502020204030204" pitchFamily="34" charset="0"/>
+                  <a:ea typeface="+mn-ea"/>
+                  <a:cs typeface="+mn-cs"/>
+                </a:defRPr>
+              </a:lvl6pPr>
+              <a:lvl7pPr marL="2743200" algn="l" defTabSz="914400" rtl="0" eaLnBrk="1" latinLnBrk="1" hangingPunct="1">
+                <a:defRPr kern="1200">
+                  <a:solidFill>
+                    <a:schemeClr val="tx1"/>
+                  </a:solidFill>
+                  <a:latin typeface="Calibri" panose="020F0502020204030204" pitchFamily="34" charset="0"/>
+                  <a:ea typeface="+mn-ea"/>
+                  <a:cs typeface="+mn-cs"/>
+                </a:defRPr>
+              </a:lvl7pPr>
+              <a:lvl8pPr marL="3200400" algn="l" defTabSz="914400" rtl="0" eaLnBrk="1" latinLnBrk="1" hangingPunct="1">
+                <a:defRPr kern="1200">
+                  <a:solidFill>
+                    <a:schemeClr val="tx1"/>
+                  </a:solidFill>
+                  <a:latin typeface="Calibri" panose="020F0502020204030204" pitchFamily="34" charset="0"/>
+                  <a:ea typeface="+mn-ea"/>
+                  <a:cs typeface="+mn-cs"/>
+                </a:defRPr>
+              </a:lvl8pPr>
+              <a:lvl9pPr marL="3657600" algn="l" defTabSz="914400" rtl="0" eaLnBrk="1" latinLnBrk="1" hangingPunct="1">
+                <a:defRPr kern="1200">
+                  <a:solidFill>
+                    <a:schemeClr val="tx1"/>
+                  </a:solidFill>
+                  <a:latin typeface="Calibri" panose="020F0502020204030204" pitchFamily="34" charset="0"/>
+                  <a:ea typeface="+mn-ea"/>
+                  <a:cs typeface="+mn-cs"/>
+                </a:defRPr>
+              </a:lvl9pPr>
+            </a:lstStyle>
+            <a:p>
+              <a:pPr algn="ctr" eaLnBrk="1" hangingPunct="1"/>
+              <a:r>
+                <a:rPr lang="en-US" altLang="en-US" sz="1200" dirty="0">
+                  <a:latin typeface="Arial" panose="020B0604020202020204" pitchFamily="34" charset="0"/>
+                  <a:ea typeface="Amazon Ember" pitchFamily="34" charset="0"/>
+                  <a:cs typeface="Arial" panose="020B0604020202020204" pitchFamily="34" charset="0"/>
+                </a:rPr>
+                <a:t>Redis Session</a:t>
+              </a:r>
+            </a:p>
+          </p:txBody>
+        </p:sp>
+      </p:grpSp>
+      <p:cxnSp>
+        <p:nvCxnSpPr>
+          <p:cNvPr id="30" name="직선 화살표 연결선 29">
+            <a:extLst>
+              <a:ext uri="{FF2B5EF4-FFF2-40B4-BE49-F238E27FC236}">
+                <a16:creationId xmlns:a16="http://schemas.microsoft.com/office/drawing/2014/main" id="{4D136151-8885-467D-84A1-5C68CEE31CC7}"/>
+              </a:ext>
+            </a:extLst>
+          </p:cNvPr>
+          <p:cNvCxnSpPr>
+            <a:cxnSpLocks/>
+          </p:cNvCxnSpPr>
+          <p:nvPr/>
+        </p:nvCxnSpPr>
+        <p:spPr>
+          <a:xfrm flipH="1">
+            <a:off x="7494484" y="3968792"/>
+            <a:ext cx="1903203" cy="0"/>
+          </a:xfrm>
+          <a:prstGeom prst="straightConnector1">
+            <a:avLst/>
+          </a:prstGeom>
+          <a:ln w="25400">
+            <a:tailEnd type="triangle"/>
+          </a:ln>
+        </p:spPr>
+        <p:style>
+          <a:lnRef idx="1">
+            <a:schemeClr val="dk1"/>
+          </a:lnRef>
+          <a:fillRef idx="0">
+            <a:schemeClr val="dk1"/>
+          </a:fillRef>
+          <a:effectRef idx="0">
+            <a:schemeClr val="dk1"/>
+          </a:effectRef>
+          <a:fontRef idx="minor">
+            <a:schemeClr val="tx1"/>
+          </a:fontRef>
+        </p:style>
+      </p:cxnSp>
+      <p:sp>
+        <p:nvSpPr>
+          <p:cNvPr id="36" name="TextBox 35">
+            <a:extLst>
+              <a:ext uri="{FF2B5EF4-FFF2-40B4-BE49-F238E27FC236}">
+                <a16:creationId xmlns:a16="http://schemas.microsoft.com/office/drawing/2014/main" id="{4306E35A-9D93-44D0-904B-3D3224DFAF9A}"/>
+              </a:ext>
+            </a:extLst>
+          </p:cNvPr>
+          <p:cNvSpPr txBox="1"/>
+          <p:nvPr/>
+        </p:nvSpPr>
+        <p:spPr>
+          <a:xfrm>
+            <a:off x="7509828" y="3586087"/>
+            <a:ext cx="1787669" cy="276999"/>
+          </a:xfrm>
+          <a:prstGeom prst="rect">
+            <a:avLst/>
+          </a:prstGeom>
+          <a:noFill/>
+        </p:spPr>
+        <p:txBody>
+          <a:bodyPr wrap="none" rtlCol="0">
+            <a:spAutoFit/>
+          </a:bodyPr>
+          <a:lstStyle/>
+          <a:p>
+            <a:r>
+              <a:rPr lang="ko-KR" altLang="en-US" sz="1200" dirty="0" smtClean="0"/>
+              <a:t>세션 프로필 정보  조회</a:t>
+            </a:r>
+            <a:endParaRPr lang="en-US" altLang="ko-KR" sz="1200" dirty="0" smtClean="0"/>
+          </a:p>
+        </p:txBody>
+      </p:sp>
+      <p:grpSp>
+        <p:nvGrpSpPr>
+          <p:cNvPr id="43" name="그룹 42">
+            <a:extLst>
+              <a:ext uri="{FF2B5EF4-FFF2-40B4-BE49-F238E27FC236}">
+                <a16:creationId xmlns:a16="http://schemas.microsoft.com/office/drawing/2014/main" id="{34A39659-D04E-47C3-888A-C6BF13750AC5}"/>
+              </a:ext>
+            </a:extLst>
+          </p:cNvPr>
+          <p:cNvGrpSpPr/>
+          <p:nvPr/>
+        </p:nvGrpSpPr>
+        <p:grpSpPr>
+          <a:xfrm>
+            <a:off x="6377384" y="3349061"/>
+            <a:ext cx="1231449" cy="1045707"/>
+            <a:chOff x="6788052" y="1646403"/>
+            <a:chExt cx="1231449" cy="1045707"/>
+          </a:xfrm>
+        </p:grpSpPr>
+        <p:pic>
+          <p:nvPicPr>
+            <p:cNvPr id="44" name="Picture 14" descr="spring boot icon png 이미지 검색결과">
+              <a:extLst>
+                <a:ext uri="{FF2B5EF4-FFF2-40B4-BE49-F238E27FC236}">
+                  <a16:creationId xmlns:a16="http://schemas.microsoft.com/office/drawing/2014/main" id="{E8990910-C8B1-4E0E-84DF-82CE59475ADA}"/>
+                </a:ext>
+              </a:extLst>
+            </p:cNvPr>
+            <p:cNvPicPr>
+              <a:picLocks noChangeAspect="1" noChangeArrowheads="1"/>
+            </p:cNvPicPr>
+            <p:nvPr/>
+          </p:nvPicPr>
+          <p:blipFill>
+            <a:blip r:embed="rId7" cstate="hqprint">
+              <a:extLst>
+                <a:ext uri="{28A0092B-C50C-407E-A947-70E740481C1C}">
+                  <a14:useLocalDpi xmlns:a14="http://schemas.microsoft.com/office/drawing/2010/main" val="0"/>
+                </a:ext>
+              </a:extLst>
+            </a:blip>
+            <a:srcRect/>
+            <a:stretch>
+              <a:fillRect/>
+            </a:stretch>
+          </p:blipFill>
+          <p:spPr bwMode="auto">
+            <a:xfrm>
+              <a:off x="6826441" y="1646403"/>
+              <a:ext cx="1045707" cy="1045707"/>
+            </a:xfrm>
+            <a:prstGeom prst="rect">
+              <a:avLst/>
+            </a:prstGeom>
+            <a:noFill/>
+            <a:extLst>
+              <a:ext uri="{909E8E84-426E-40DD-AFC4-6F175D3DCCD1}">
+                <a14:hiddenFill xmlns:a14="http://schemas.microsoft.com/office/drawing/2010/main">
+                  <a:solidFill>
+                    <a:srgbClr val="FFFFFF"/>
+                  </a:solidFill>
+                </a14:hiddenFill>
+              </a:ext>
+            </a:extLst>
+          </p:spPr>
+        </p:pic>
+        <p:sp>
+          <p:nvSpPr>
+            <p:cNvPr id="45" name="TextBox 6">
+              <a:extLst>
+                <a:ext uri="{FF2B5EF4-FFF2-40B4-BE49-F238E27FC236}">
+                  <a16:creationId xmlns:a16="http://schemas.microsoft.com/office/drawing/2014/main" id="{296790AE-2623-455C-91A8-4C89B44A0F06}"/>
+                </a:ext>
+              </a:extLst>
+            </p:cNvPr>
+            <p:cNvSpPr txBox="1">
+              <a:spLocks noChangeArrowheads="1"/>
+            </p:cNvSpPr>
+            <p:nvPr/>
+          </p:nvSpPr>
+          <p:spPr bwMode="auto">
+            <a:xfrm>
+              <a:off x="6788052" y="2403872"/>
+              <a:ext cx="1231449" cy="276999"/>
+            </a:xfrm>
+            <a:prstGeom prst="rect">
+              <a:avLst/>
+            </a:prstGeom>
+            <a:noFill/>
+            <a:ln>
+              <a:noFill/>
+            </a:ln>
+            <a:extLst>
+              <a:ext uri="{909E8E84-426E-40DD-AFC4-6F175D3DCCD1}">
+                <a14:hiddenFill xmlns:a14="http://schemas.microsoft.com/office/drawing/2010/main">
+                  <a:solidFill>
+                    <a:srgbClr val="FFFFFF"/>
+                  </a:solidFill>
+                </a14:hiddenFill>
+              </a:ext>
+              <a:ext uri="{91240B29-F687-4F45-9708-019B960494DF}">
+                <a14:hiddenLine xmlns:a14="http://schemas.microsoft.com/office/drawing/2010/main" w="9525">
+                  <a:solidFill>
+                    <a:srgbClr val="000000"/>
+                  </a:solidFill>
+                  <a:miter lim="800000"/>
+                  <a:headEnd/>
+                  <a:tailEnd/>
+                </a14:hiddenLine>
+              </a:ext>
+            </a:extLst>
+          </p:spPr>
+          <p:txBody>
+            <a:bodyPr wrap="square">
+              <a:spAutoFit/>
+            </a:bodyPr>
+            <a:lstStyle>
+              <a:defPPr>
+                <a:defRPr lang="en-US"/>
+              </a:defPPr>
+              <a:lvl1pPr algn="l" rtl="0" eaLnBrk="0" fontAlgn="base" hangingPunct="0">
+                <a:spcBef>
+                  <a:spcPct val="0"/>
+                </a:spcBef>
+                <a:spcAft>
+                  <a:spcPct val="0"/>
+                </a:spcAft>
+                <a:defRPr kern="1200">
+                  <a:solidFill>
+                    <a:schemeClr val="tx1"/>
+                  </a:solidFill>
+                  <a:latin typeface="Calibri" panose="020F0502020204030204" pitchFamily="34" charset="0"/>
+                  <a:ea typeface="+mn-ea"/>
+                  <a:cs typeface="+mn-cs"/>
+                </a:defRPr>
+              </a:lvl1pPr>
+              <a:lvl2pPr marL="457200" algn="l" rtl="0" eaLnBrk="0" fontAlgn="base" hangingPunct="0">
+                <a:spcBef>
+                  <a:spcPct val="0"/>
+                </a:spcBef>
+                <a:spcAft>
+                  <a:spcPct val="0"/>
+                </a:spcAft>
+                <a:defRPr kern="1200">
+                  <a:solidFill>
+                    <a:schemeClr val="tx1"/>
+                  </a:solidFill>
+                  <a:latin typeface="Calibri" panose="020F0502020204030204" pitchFamily="34" charset="0"/>
+                  <a:ea typeface="+mn-ea"/>
+                  <a:cs typeface="+mn-cs"/>
+                </a:defRPr>
+              </a:lvl2pPr>
+              <a:lvl3pPr marL="914400" algn="l" rtl="0" eaLnBrk="0" fontAlgn="base" hangingPunct="0">
+                <a:spcBef>
+                  <a:spcPct val="0"/>
+                </a:spcBef>
+                <a:spcAft>
+                  <a:spcPct val="0"/>
+                </a:spcAft>
+                <a:defRPr kern="1200">
+                  <a:solidFill>
+                    <a:schemeClr val="tx1"/>
+                  </a:solidFill>
+                  <a:latin typeface="Calibri" panose="020F0502020204030204" pitchFamily="34" charset="0"/>
+                  <a:ea typeface="+mn-ea"/>
+                  <a:cs typeface="+mn-cs"/>
+                </a:defRPr>
+              </a:lvl3pPr>
+              <a:lvl4pPr marL="1371600" algn="l" rtl="0" eaLnBrk="0" fontAlgn="base" hangingPunct="0">
+                <a:spcBef>
+                  <a:spcPct val="0"/>
+                </a:spcBef>
+                <a:spcAft>
+                  <a:spcPct val="0"/>
+                </a:spcAft>
+                <a:defRPr kern="1200">
+                  <a:solidFill>
+                    <a:schemeClr val="tx1"/>
+                  </a:solidFill>
+                  <a:latin typeface="Calibri" panose="020F0502020204030204" pitchFamily="34" charset="0"/>
+                  <a:ea typeface="+mn-ea"/>
+                  <a:cs typeface="+mn-cs"/>
+                </a:defRPr>
+              </a:lvl4pPr>
+              <a:lvl5pPr marL="1828800" algn="l" rtl="0" eaLnBrk="0" fontAlgn="base" hangingPunct="0">
+                <a:spcBef>
+                  <a:spcPct val="0"/>
+                </a:spcBef>
+                <a:spcAft>
+                  <a:spcPct val="0"/>
+                </a:spcAft>
+                <a:defRPr kern="1200">
+                  <a:solidFill>
+                    <a:schemeClr val="tx1"/>
+                  </a:solidFill>
+                  <a:latin typeface="Calibri" panose="020F0502020204030204" pitchFamily="34" charset="0"/>
+                  <a:ea typeface="+mn-ea"/>
+                  <a:cs typeface="+mn-cs"/>
+                </a:defRPr>
+              </a:lvl5pPr>
+              <a:lvl6pPr marL="2286000" algn="l" defTabSz="914400" rtl="0" eaLnBrk="1" latinLnBrk="1" hangingPunct="1">
+                <a:defRPr kern="1200">
+                  <a:solidFill>
+                    <a:schemeClr val="tx1"/>
+                  </a:solidFill>
+                  <a:latin typeface="Calibri" panose="020F0502020204030204" pitchFamily="34" charset="0"/>
+                  <a:ea typeface="+mn-ea"/>
+                  <a:cs typeface="+mn-cs"/>
+                </a:defRPr>
+              </a:lvl6pPr>
+              <a:lvl7pPr marL="2743200" algn="l" defTabSz="914400" rtl="0" eaLnBrk="1" latinLnBrk="1" hangingPunct="1">
+                <a:defRPr kern="1200">
+                  <a:solidFill>
+                    <a:schemeClr val="tx1"/>
+                  </a:solidFill>
+                  <a:latin typeface="Calibri" panose="020F0502020204030204" pitchFamily="34" charset="0"/>
+                  <a:ea typeface="+mn-ea"/>
+                  <a:cs typeface="+mn-cs"/>
+                </a:defRPr>
+              </a:lvl7pPr>
+              <a:lvl8pPr marL="3200400" algn="l" defTabSz="914400" rtl="0" eaLnBrk="1" latinLnBrk="1" hangingPunct="1">
+                <a:defRPr kern="1200">
+                  <a:solidFill>
+                    <a:schemeClr val="tx1"/>
+                  </a:solidFill>
+                  <a:latin typeface="Calibri" panose="020F0502020204030204" pitchFamily="34" charset="0"/>
+                  <a:ea typeface="+mn-ea"/>
+                  <a:cs typeface="+mn-cs"/>
+                </a:defRPr>
+              </a:lvl8pPr>
+              <a:lvl9pPr marL="3657600" algn="l" defTabSz="914400" rtl="0" eaLnBrk="1" latinLnBrk="1" hangingPunct="1">
+                <a:defRPr kern="1200">
+                  <a:solidFill>
+                    <a:schemeClr val="tx1"/>
+                  </a:solidFill>
+                  <a:latin typeface="Calibri" panose="020F0502020204030204" pitchFamily="34" charset="0"/>
+                  <a:ea typeface="+mn-ea"/>
+                  <a:cs typeface="+mn-cs"/>
+                </a:defRPr>
+              </a:lvl9pPr>
+            </a:lstStyle>
+            <a:p>
+              <a:pPr algn="ctr" eaLnBrk="1" hangingPunct="1"/>
+              <a:r>
+                <a:rPr lang="en-US" altLang="en-US" sz="1200" dirty="0" err="1" smtClean="0">
+                  <a:latin typeface="Arial" panose="020B0604020202020204" pitchFamily="34" charset="0"/>
+                  <a:ea typeface="Amazon Ember" pitchFamily="34" charset="0"/>
+                  <a:cs typeface="Arial" panose="020B0604020202020204" pitchFamily="34" charset="0"/>
+                </a:rPr>
+                <a:t>SessionFilter</a:t>
+              </a:r>
+              <a:endParaRPr lang="en-US" altLang="en-US" sz="1200" dirty="0">
+                <a:latin typeface="Arial" panose="020B0604020202020204" pitchFamily="34" charset="0"/>
+                <a:ea typeface="Amazon Ember" pitchFamily="34" charset="0"/>
+                <a:cs typeface="Arial" panose="020B0604020202020204" pitchFamily="34" charset="0"/>
+              </a:endParaRPr>
+            </a:p>
+          </p:txBody>
+        </p:sp>
+      </p:grpSp>
+      <p:cxnSp>
+        <p:nvCxnSpPr>
+          <p:cNvPr id="46" name="직선 화살표 연결선 45"/>
+          <p:cNvCxnSpPr/>
+          <p:nvPr/>
+        </p:nvCxnSpPr>
+        <p:spPr>
+          <a:xfrm flipH="1">
+            <a:off x="6940178" y="2813529"/>
+            <a:ext cx="1" cy="633147"/>
+          </a:xfrm>
+          <a:prstGeom prst="straightConnector1">
+            <a:avLst/>
+          </a:prstGeom>
+          <a:ln w="25400">
+            <a:tailEnd type="triangle"/>
+          </a:ln>
+        </p:spPr>
+        <p:style>
+          <a:lnRef idx="1">
+            <a:schemeClr val="dk1"/>
+          </a:lnRef>
+          <a:fillRef idx="0">
+            <a:schemeClr val="dk1"/>
+          </a:fillRef>
+          <a:effectRef idx="0">
+            <a:schemeClr val="dk1"/>
+          </a:effectRef>
+          <a:fontRef idx="minor">
+            <a:schemeClr val="tx1"/>
+          </a:fontRef>
+        </p:style>
+      </p:cxnSp>
+      <p:sp>
+        <p:nvSpPr>
+          <p:cNvPr id="47" name="TextBox 46">
+            <a:extLst>
+              <a:ext uri="{FF2B5EF4-FFF2-40B4-BE49-F238E27FC236}">
+                <a16:creationId xmlns:a16="http://schemas.microsoft.com/office/drawing/2014/main" id="{ABBD6795-F75F-4C5F-AB9F-1DC775B44A69}"/>
+              </a:ext>
+            </a:extLst>
+          </p:cNvPr>
+          <p:cNvSpPr txBox="1"/>
+          <p:nvPr/>
+        </p:nvSpPr>
+        <p:spPr>
+          <a:xfrm>
+            <a:off x="6192795" y="2963975"/>
+            <a:ext cx="624338" cy="276999"/>
+          </a:xfrm>
+          <a:prstGeom prst="rect">
+            <a:avLst/>
+          </a:prstGeom>
+          <a:noFill/>
+        </p:spPr>
+        <p:txBody>
+          <a:bodyPr wrap="none" rtlCol="0">
+            <a:spAutoFit/>
+          </a:bodyPr>
+          <a:lstStyle/>
+          <a:p>
+            <a:r>
+              <a:rPr lang="en-US" altLang="ko-KR" sz="1200" dirty="0" smtClean="0"/>
+              <a:t>FILTER</a:t>
+            </a:r>
+            <a:endParaRPr lang="ko-KR" altLang="en-US" sz="1200" dirty="0"/>
+          </a:p>
+        </p:txBody>
+      </p:sp>
+      <p:sp>
+        <p:nvSpPr>
+          <p:cNvPr id="48" name="타원 47"/>
+          <p:cNvSpPr/>
+          <p:nvPr/>
+        </p:nvSpPr>
+        <p:spPr>
+          <a:xfrm>
+            <a:off x="3981918" y="1589812"/>
+            <a:ext cx="305189" cy="294609"/>
+          </a:xfrm>
+          <a:prstGeom prst="ellipse">
+            <a:avLst/>
+          </a:prstGeom>
+        </p:spPr>
+        <p:style>
+          <a:lnRef idx="2">
+            <a:schemeClr val="accent2">
+              <a:shade val="50000"/>
+            </a:schemeClr>
+          </a:lnRef>
+          <a:fillRef idx="1">
+            <a:schemeClr val="accent2"/>
+          </a:fillRef>
+          <a:effectRef idx="0">
+            <a:schemeClr val="accent2"/>
+          </a:effectRef>
+          <a:fontRef idx="minor">
+            <a:schemeClr val="lt1"/>
+          </a:fontRef>
+        </p:style>
+        <p:txBody>
+          <a:bodyPr rtlCol="0" anchor="ctr"/>
+          <a:lstStyle/>
+          <a:p>
+            <a:pPr algn="ctr"/>
+            <a:r>
+              <a:rPr lang="en-US" altLang="ko-KR" sz="1400" dirty="0" smtClean="0"/>
+              <a:t>1</a:t>
+            </a:r>
+            <a:endParaRPr lang="ko-KR" altLang="en-US" sz="1400" dirty="0"/>
+          </a:p>
+        </p:txBody>
+      </p:sp>
+      <p:sp>
+        <p:nvSpPr>
+          <p:cNvPr id="49" name="타원 48"/>
+          <p:cNvSpPr/>
+          <p:nvPr/>
+        </p:nvSpPr>
+        <p:spPr>
+          <a:xfrm>
+            <a:off x="8293490" y="3249785"/>
+            <a:ext cx="305189" cy="294609"/>
+          </a:xfrm>
+          <a:prstGeom prst="ellipse">
+            <a:avLst/>
+          </a:prstGeom>
+        </p:spPr>
+        <p:style>
+          <a:lnRef idx="2">
+            <a:schemeClr val="accent2">
+              <a:shade val="50000"/>
+            </a:schemeClr>
+          </a:lnRef>
+          <a:fillRef idx="1">
+            <a:schemeClr val="accent2"/>
+          </a:fillRef>
+          <a:effectRef idx="0">
+            <a:schemeClr val="accent2"/>
+          </a:effectRef>
+          <a:fontRef idx="minor">
+            <a:schemeClr val="lt1"/>
+          </a:fontRef>
+        </p:style>
+        <p:txBody>
+          <a:bodyPr rtlCol="0" anchor="ctr"/>
+          <a:lstStyle/>
+          <a:p>
+            <a:pPr algn="ctr"/>
+            <a:r>
+              <a:rPr lang="en-US" altLang="ko-KR" sz="1400" dirty="0"/>
+              <a:t>2</a:t>
+            </a:r>
+            <a:endParaRPr lang="ko-KR" altLang="en-US" sz="1400" dirty="0"/>
+          </a:p>
+        </p:txBody>
+      </p:sp>
+      <p:sp>
+        <p:nvSpPr>
+          <p:cNvPr id="51" name="제목 1"/>
+          <p:cNvSpPr>
+            <a:spLocks noGrp="1"/>
+          </p:cNvSpPr>
+          <p:nvPr>
+            <p:ph type="title"/>
+          </p:nvPr>
+        </p:nvSpPr>
+        <p:spPr>
+          <a:xfrm>
+            <a:off x="866166" y="-31385"/>
+            <a:ext cx="10515600" cy="1325563"/>
+          </a:xfrm>
+        </p:spPr>
+        <p:txBody>
+          <a:bodyPr>
+            <a:normAutofit/>
+          </a:bodyPr>
+          <a:lstStyle/>
+          <a:p>
+            <a:r>
+              <a:rPr lang="ko-KR" altLang="en-US" sz="3600" dirty="0"/>
+              <a:t>프로필 정보 조회</a:t>
+            </a:r>
+            <a:endParaRPr lang="ko-KR" altLang="en-US" sz="3600" dirty="0"/>
+          </a:p>
+        </p:txBody>
+      </p:sp>
+      <p:cxnSp>
+        <p:nvCxnSpPr>
+          <p:cNvPr id="58" name="직선 화살표 연결선 57">
+            <a:extLst>
+              <a:ext uri="{FF2B5EF4-FFF2-40B4-BE49-F238E27FC236}">
+                <a16:creationId xmlns:a16="http://schemas.microsoft.com/office/drawing/2014/main" id="{4D136151-8885-467D-84A1-5C68CEE31CC7}"/>
+              </a:ext>
+            </a:extLst>
+          </p:cNvPr>
+          <p:cNvCxnSpPr>
+            <a:cxnSpLocks/>
+          </p:cNvCxnSpPr>
+          <p:nvPr/>
+        </p:nvCxnSpPr>
+        <p:spPr>
+          <a:xfrm flipH="1">
+            <a:off x="2864565" y="3327898"/>
+            <a:ext cx="2780096" cy="0"/>
+          </a:xfrm>
+          <a:prstGeom prst="straightConnector1">
+            <a:avLst/>
+          </a:prstGeom>
+          <a:ln w="25400">
+            <a:tailEnd type="triangle"/>
+          </a:ln>
+        </p:spPr>
+        <p:style>
+          <a:lnRef idx="1">
+            <a:schemeClr val="dk1"/>
+          </a:lnRef>
+          <a:fillRef idx="0">
+            <a:schemeClr val="dk1"/>
+          </a:fillRef>
+          <a:effectRef idx="0">
+            <a:schemeClr val="dk1"/>
+          </a:effectRef>
+          <a:fontRef idx="minor">
+            <a:schemeClr val="tx1"/>
+          </a:fontRef>
+        </p:style>
+      </p:cxnSp>
+      <p:sp>
+        <p:nvSpPr>
+          <p:cNvPr id="59" name="타원 58"/>
+          <p:cNvSpPr/>
+          <p:nvPr/>
+        </p:nvSpPr>
+        <p:spPr>
+          <a:xfrm>
+            <a:off x="3944304" y="2729476"/>
+            <a:ext cx="305189" cy="294609"/>
+          </a:xfrm>
+          <a:prstGeom prst="ellipse">
+            <a:avLst/>
+          </a:prstGeom>
+        </p:spPr>
+        <p:style>
+          <a:lnRef idx="2">
+            <a:schemeClr val="accent2">
+              <a:shade val="50000"/>
+            </a:schemeClr>
+          </a:lnRef>
+          <a:fillRef idx="1">
+            <a:schemeClr val="accent2"/>
+          </a:fillRef>
+          <a:effectRef idx="0">
+            <a:schemeClr val="accent2"/>
+          </a:effectRef>
+          <a:fontRef idx="minor">
+            <a:schemeClr val="lt1"/>
+          </a:fontRef>
+        </p:style>
+        <p:txBody>
+          <a:bodyPr rtlCol="0" anchor="ctr"/>
+          <a:lstStyle/>
+          <a:p>
+            <a:pPr algn="ctr"/>
+            <a:r>
+              <a:rPr lang="en-US" altLang="ko-KR" sz="1400" dirty="0"/>
+              <a:t>3</a:t>
+            </a:r>
+            <a:endParaRPr lang="ko-KR" altLang="en-US" sz="1400" dirty="0"/>
+          </a:p>
+        </p:txBody>
+      </p:sp>
+      <p:sp>
+        <p:nvSpPr>
+          <p:cNvPr id="60" name="TextBox 59">
+            <a:extLst>
+              <a:ext uri="{FF2B5EF4-FFF2-40B4-BE49-F238E27FC236}">
+                <a16:creationId xmlns:a16="http://schemas.microsoft.com/office/drawing/2014/main" id="{4306E35A-9D93-44D0-904B-3D3224DFAF9A}"/>
+              </a:ext>
+            </a:extLst>
+          </p:cNvPr>
+          <p:cNvSpPr txBox="1"/>
+          <p:nvPr/>
+        </p:nvSpPr>
+        <p:spPr>
+          <a:xfrm>
+            <a:off x="3311917" y="3037492"/>
+            <a:ext cx="1820435" cy="276999"/>
+          </a:xfrm>
+          <a:prstGeom prst="rect">
+            <a:avLst/>
+          </a:prstGeom>
+          <a:noFill/>
+        </p:spPr>
+        <p:txBody>
+          <a:bodyPr wrap="none" rtlCol="0">
+            <a:spAutoFit/>
+          </a:bodyPr>
+          <a:lstStyle/>
+          <a:p>
+            <a:r>
+              <a:rPr lang="en-US" altLang="ko-KR" sz="1200" dirty="0" smtClean="0"/>
+              <a:t>{username, </a:t>
+            </a:r>
+            <a:r>
+              <a:rPr lang="en-US" altLang="ko-KR" sz="1200" dirty="0" err="1" smtClean="0"/>
+              <a:t>img</a:t>
+            </a:r>
+            <a:r>
+              <a:rPr lang="en-US" altLang="ko-KR" sz="1200" dirty="0" smtClean="0"/>
+              <a:t>, role …}</a:t>
+            </a:r>
+            <a:endParaRPr lang="ko-KR" altLang="en-US" sz="1200" dirty="0"/>
+          </a:p>
+        </p:txBody>
+      </p:sp>
+    </p:spTree>
+    <p:extLst>
+      <p:ext uri="{BB962C8B-B14F-4D97-AF65-F5344CB8AC3E}">
+        <p14:creationId xmlns:p14="http://schemas.microsoft.com/office/powerpoint/2010/main" val="2834521526"/>
+      </p:ext>
+    </p:extLst>
+  </p:cSld>
+  <p:clrMapOvr>
+    <a:masterClrMapping/>
+  </p:clrMapOvr>
+</p:sld>
+</file>
+
+<file path=ppt/slides/slide12.xml><?xml version="1.0" encoding="utf-8"?>
+<p:sld xmlns:a="http://schemas.openxmlformats.org/drawingml/2006/main" xmlns:r="http://schemas.openxmlformats.org/officeDocument/2006/relationships" xmlns:p="http://schemas.openxmlformats.org/presentationml/2006/main">
+  <p:cSld>
+    <p:spTree>
+      <p:nvGrpSpPr>
+        <p:cNvPr id="1" name=""/>
+        <p:cNvGrpSpPr/>
+        <p:nvPr/>
+      </p:nvGrpSpPr>
+      <p:grpSpPr>
+        <a:xfrm>
+          <a:off x="0" y="0"/>
+          <a:ext cx="0" cy="0"/>
+          <a:chOff x="0" y="0"/>
+          <a:chExt cx="0" cy="0"/>
+        </a:xfrm>
+      </p:grpSpPr>
+      <p:grpSp>
+        <p:nvGrpSpPr>
+          <p:cNvPr id="3" name="그룹 2">
+            <a:extLst>
+              <a:ext uri="{FF2B5EF4-FFF2-40B4-BE49-F238E27FC236}">
+                <a16:creationId xmlns:a16="http://schemas.microsoft.com/office/drawing/2014/main" id="{34087C91-66D6-405B-966C-4CD36D33C927}"/>
+              </a:ext>
+            </a:extLst>
+          </p:cNvPr>
+          <p:cNvGrpSpPr/>
+          <p:nvPr/>
+        </p:nvGrpSpPr>
+        <p:grpSpPr>
+          <a:xfrm>
+            <a:off x="6571775" y="2072113"/>
+            <a:ext cx="2481570" cy="654145"/>
+            <a:chOff x="3511204" y="2640320"/>
+            <a:chExt cx="2481570" cy="654145"/>
+          </a:xfrm>
+        </p:grpSpPr>
+        <p:pic>
+          <p:nvPicPr>
+            <p:cNvPr id="4" name="Picture 8" descr="spring cloud gateway icon png 이미지 검색결과">
+              <a:extLst>
+                <a:ext uri="{FF2B5EF4-FFF2-40B4-BE49-F238E27FC236}">
+                  <a16:creationId xmlns:a16="http://schemas.microsoft.com/office/drawing/2014/main" id="{2EBBD46B-CBFE-41FF-ADF8-B522655A4A0F}"/>
+                </a:ext>
+              </a:extLst>
+            </p:cNvPr>
+            <p:cNvPicPr>
+              <a:picLocks noChangeAspect="1" noChangeArrowheads="1"/>
+            </p:cNvPicPr>
+            <p:nvPr/>
+          </p:nvPicPr>
+          <p:blipFill>
+            <a:blip r:embed="rId2">
+              <a:extLst>
+                <a:ext uri="{28A0092B-C50C-407E-A947-70E740481C1C}">
+                  <a14:useLocalDpi xmlns:a14="http://schemas.microsoft.com/office/drawing/2010/main" val="0"/>
+                </a:ext>
+              </a:extLst>
+            </a:blip>
+            <a:srcRect/>
+            <a:stretch>
+              <a:fillRect/>
+            </a:stretch>
+          </p:blipFill>
+          <p:spPr bwMode="auto">
+            <a:xfrm flipH="1">
+              <a:off x="3511204" y="2640320"/>
+              <a:ext cx="681547" cy="654145"/>
+            </a:xfrm>
+            <a:prstGeom prst="rect">
+              <a:avLst/>
+            </a:prstGeom>
+            <a:noFill/>
+            <a:extLst>
+              <a:ext uri="{909E8E84-426E-40DD-AFC4-6F175D3DCCD1}">
+                <a14:hiddenFill xmlns:a14="http://schemas.microsoft.com/office/drawing/2010/main">
+                  <a:solidFill>
+                    <a:srgbClr val="FFFFFF"/>
+                  </a:solidFill>
+                </a14:hiddenFill>
+              </a:ext>
+            </a:extLst>
+          </p:spPr>
+        </p:pic>
+        <p:sp>
+          <p:nvSpPr>
+            <p:cNvPr id="5" name="TextBox 9">
+              <a:extLst>
+                <a:ext uri="{FF2B5EF4-FFF2-40B4-BE49-F238E27FC236}">
+                  <a16:creationId xmlns:a16="http://schemas.microsoft.com/office/drawing/2014/main" id="{2745B5A4-C782-41A5-9DE0-BE50F131B12E}"/>
+                </a:ext>
+              </a:extLst>
+            </p:cNvPr>
+            <p:cNvSpPr txBox="1">
+              <a:spLocks noChangeArrowheads="1"/>
+            </p:cNvSpPr>
+            <p:nvPr/>
+          </p:nvSpPr>
+          <p:spPr bwMode="auto">
+            <a:xfrm>
+              <a:off x="4095453" y="2843664"/>
+              <a:ext cx="1897321" cy="276999"/>
+            </a:xfrm>
+            <a:prstGeom prst="rect">
+              <a:avLst/>
+            </a:prstGeom>
+            <a:noFill/>
+            <a:ln>
+              <a:noFill/>
+            </a:ln>
+            <a:extLst>
+              <a:ext uri="{909E8E84-426E-40DD-AFC4-6F175D3DCCD1}">
+                <a14:hiddenFill xmlns:a14="http://schemas.microsoft.com/office/drawing/2010/main">
+                  <a:solidFill>
+                    <a:srgbClr val="FFFFFF"/>
+                  </a:solidFill>
+                </a14:hiddenFill>
+              </a:ext>
+              <a:ext uri="{91240B29-F687-4F45-9708-019B960494DF}">
+                <a14:hiddenLine xmlns:a14="http://schemas.microsoft.com/office/drawing/2010/main" w="9525">
+                  <a:solidFill>
+                    <a:srgbClr val="000000"/>
+                  </a:solidFill>
+                  <a:miter lim="800000"/>
+                  <a:headEnd/>
+                  <a:tailEnd/>
+                </a14:hiddenLine>
+              </a:ext>
+            </a:extLst>
+          </p:spPr>
+          <p:txBody>
+            <a:bodyPr wrap="square">
+              <a:spAutoFit/>
+            </a:bodyPr>
+            <a:lstStyle>
+              <a:defPPr>
+                <a:defRPr lang="en-US"/>
+              </a:defPPr>
+              <a:lvl1pPr algn="l" rtl="0" eaLnBrk="0" fontAlgn="base" hangingPunct="0">
+                <a:spcBef>
+                  <a:spcPct val="0"/>
+                </a:spcBef>
+                <a:spcAft>
+                  <a:spcPct val="0"/>
+                </a:spcAft>
+                <a:defRPr kern="1200">
+                  <a:solidFill>
+                    <a:schemeClr val="tx1"/>
+                  </a:solidFill>
+                  <a:latin typeface="Calibri" panose="020F0502020204030204" pitchFamily="34" charset="0"/>
+                  <a:ea typeface="+mn-ea"/>
+                  <a:cs typeface="+mn-cs"/>
+                </a:defRPr>
+              </a:lvl1pPr>
+              <a:lvl2pPr marL="457200" algn="l" rtl="0" eaLnBrk="0" fontAlgn="base" hangingPunct="0">
+                <a:spcBef>
+                  <a:spcPct val="0"/>
+                </a:spcBef>
+                <a:spcAft>
+                  <a:spcPct val="0"/>
+                </a:spcAft>
+                <a:defRPr kern="1200">
+                  <a:solidFill>
+                    <a:schemeClr val="tx1"/>
+                  </a:solidFill>
+                  <a:latin typeface="Calibri" panose="020F0502020204030204" pitchFamily="34" charset="0"/>
+                  <a:ea typeface="+mn-ea"/>
+                  <a:cs typeface="+mn-cs"/>
+                </a:defRPr>
+              </a:lvl2pPr>
+              <a:lvl3pPr marL="914400" algn="l" rtl="0" eaLnBrk="0" fontAlgn="base" hangingPunct="0">
+                <a:spcBef>
+                  <a:spcPct val="0"/>
+                </a:spcBef>
+                <a:spcAft>
+                  <a:spcPct val="0"/>
+                </a:spcAft>
+                <a:defRPr kern="1200">
+                  <a:solidFill>
+                    <a:schemeClr val="tx1"/>
+                  </a:solidFill>
+                  <a:latin typeface="Calibri" panose="020F0502020204030204" pitchFamily="34" charset="0"/>
+                  <a:ea typeface="+mn-ea"/>
+                  <a:cs typeface="+mn-cs"/>
+                </a:defRPr>
+              </a:lvl3pPr>
+              <a:lvl4pPr marL="1371600" algn="l" rtl="0" eaLnBrk="0" fontAlgn="base" hangingPunct="0">
+                <a:spcBef>
+                  <a:spcPct val="0"/>
+                </a:spcBef>
+                <a:spcAft>
+                  <a:spcPct val="0"/>
+                </a:spcAft>
+                <a:defRPr kern="1200">
+                  <a:solidFill>
+                    <a:schemeClr val="tx1"/>
+                  </a:solidFill>
+                  <a:latin typeface="Calibri" panose="020F0502020204030204" pitchFamily="34" charset="0"/>
+                  <a:ea typeface="+mn-ea"/>
+                  <a:cs typeface="+mn-cs"/>
+                </a:defRPr>
+              </a:lvl4pPr>
+              <a:lvl5pPr marL="1828800" algn="l" rtl="0" eaLnBrk="0" fontAlgn="base" hangingPunct="0">
+                <a:spcBef>
+                  <a:spcPct val="0"/>
+                </a:spcBef>
+                <a:spcAft>
+                  <a:spcPct val="0"/>
+                </a:spcAft>
+                <a:defRPr kern="1200">
+                  <a:solidFill>
+                    <a:schemeClr val="tx1"/>
+                  </a:solidFill>
+                  <a:latin typeface="Calibri" panose="020F0502020204030204" pitchFamily="34" charset="0"/>
+                  <a:ea typeface="+mn-ea"/>
+                  <a:cs typeface="+mn-cs"/>
+                </a:defRPr>
+              </a:lvl5pPr>
+              <a:lvl6pPr marL="2286000" algn="l" defTabSz="914400" rtl="0" eaLnBrk="1" latinLnBrk="1" hangingPunct="1">
+                <a:defRPr kern="1200">
+                  <a:solidFill>
+                    <a:schemeClr val="tx1"/>
+                  </a:solidFill>
+                  <a:latin typeface="Calibri" panose="020F0502020204030204" pitchFamily="34" charset="0"/>
+                  <a:ea typeface="+mn-ea"/>
+                  <a:cs typeface="+mn-cs"/>
+                </a:defRPr>
+              </a:lvl6pPr>
+              <a:lvl7pPr marL="2743200" algn="l" defTabSz="914400" rtl="0" eaLnBrk="1" latinLnBrk="1" hangingPunct="1">
+                <a:defRPr kern="1200">
+                  <a:solidFill>
+                    <a:schemeClr val="tx1"/>
+                  </a:solidFill>
+                  <a:latin typeface="Calibri" panose="020F0502020204030204" pitchFamily="34" charset="0"/>
+                  <a:ea typeface="+mn-ea"/>
+                  <a:cs typeface="+mn-cs"/>
+                </a:defRPr>
+              </a:lvl7pPr>
+              <a:lvl8pPr marL="3200400" algn="l" defTabSz="914400" rtl="0" eaLnBrk="1" latinLnBrk="1" hangingPunct="1">
+                <a:defRPr kern="1200">
+                  <a:solidFill>
+                    <a:schemeClr val="tx1"/>
+                  </a:solidFill>
+                  <a:latin typeface="Calibri" panose="020F0502020204030204" pitchFamily="34" charset="0"/>
+                  <a:ea typeface="+mn-ea"/>
+                  <a:cs typeface="+mn-cs"/>
+                </a:defRPr>
+              </a:lvl8pPr>
+              <a:lvl9pPr marL="3657600" algn="l" defTabSz="914400" rtl="0" eaLnBrk="1" latinLnBrk="1" hangingPunct="1">
+                <a:defRPr kern="1200">
+                  <a:solidFill>
+                    <a:schemeClr val="tx1"/>
+                  </a:solidFill>
+                  <a:latin typeface="Calibri" panose="020F0502020204030204" pitchFamily="34" charset="0"/>
+                  <a:ea typeface="+mn-ea"/>
+                  <a:cs typeface="+mn-cs"/>
+                </a:defRPr>
+              </a:lvl9pPr>
+            </a:lstStyle>
+            <a:p>
+              <a:pPr algn="ctr" eaLnBrk="1" hangingPunct="1"/>
+              <a:r>
+                <a:rPr lang="en-US" altLang="en-US" sz="1200" dirty="0" smtClean="0">
+                  <a:latin typeface="Arial" panose="020B0604020202020204" pitchFamily="34" charset="0"/>
+                  <a:ea typeface="Amazon Ember" pitchFamily="34" charset="0"/>
+                  <a:cs typeface="Arial" panose="020B0604020202020204" pitchFamily="34" charset="0"/>
+                </a:rPr>
+                <a:t>Spring Cloud </a:t>
+              </a:r>
+              <a:r>
+                <a:rPr lang="en-US" altLang="en-US" sz="1200" dirty="0" err="1">
+                  <a:latin typeface="Arial" panose="020B0604020202020204" pitchFamily="34" charset="0"/>
+                  <a:ea typeface="Amazon Ember" pitchFamily="34" charset="0"/>
+                  <a:cs typeface="Arial" panose="020B0604020202020204" pitchFamily="34" charset="0"/>
+                </a:rPr>
+                <a:t>Gatway</a:t>
+              </a:r>
+              <a:endParaRPr lang="en-US" altLang="en-US" sz="1200" dirty="0">
+                <a:latin typeface="Arial" panose="020B0604020202020204" pitchFamily="34" charset="0"/>
+                <a:ea typeface="Amazon Ember" pitchFamily="34" charset="0"/>
+                <a:cs typeface="Arial" panose="020B0604020202020204" pitchFamily="34" charset="0"/>
+              </a:endParaRPr>
+            </a:p>
+          </p:txBody>
+        </p:sp>
+      </p:grpSp>
+      <p:pic>
+        <p:nvPicPr>
+          <p:cNvPr id="6" name="Graphic 23">
+            <a:extLst>
+              <a:ext uri="{FF2B5EF4-FFF2-40B4-BE49-F238E27FC236}">
+                <a16:creationId xmlns:a16="http://schemas.microsoft.com/office/drawing/2014/main" id="{5F808509-BD20-42DE-BE4C-9FD915E763BD}"/>
+              </a:ext>
+            </a:extLst>
+          </p:cNvPr>
+          <p:cNvPicPr>
+            <a:picLocks noChangeAspect="1" noChangeArrowheads="1"/>
+          </p:cNvPicPr>
+          <p:nvPr/>
+        </p:nvPicPr>
+        <p:blipFill>
+          <a:blip r:embed="rId3" cstate="hqprint">
+            <a:extLst>
+              <a:ext uri="{28A0092B-C50C-407E-A947-70E740481C1C}">
+                <a14:useLocalDpi xmlns:a14="http://schemas.microsoft.com/office/drawing/2010/main" val="0"/>
+              </a:ext>
+            </a:extLst>
+          </a:blip>
+          <a:srcRect/>
+          <a:stretch>
+            <a:fillRect/>
+          </a:stretch>
+        </p:blipFill>
+        <p:spPr bwMode="auto">
+          <a:xfrm>
+            <a:off x="6017605" y="2106766"/>
+            <a:ext cx="330200" cy="330200"/>
+          </a:xfrm>
+          <a:prstGeom prst="rect">
+            <a:avLst/>
+          </a:prstGeom>
+          <a:noFill/>
+          <a:ln>
+            <a:noFill/>
+          </a:ln>
+          <a:extLst>
+            <a:ext uri="{909E8E84-426E-40DD-AFC4-6F175D3DCCD1}">
+              <a14:hiddenFill xmlns:a14="http://schemas.microsoft.com/office/drawing/2010/main">
+                <a:solidFill>
+                  <a:srgbClr val="FFFFFF"/>
+                </a:solidFill>
+              </a14:hiddenFill>
+            </a:ext>
+            <a:ext uri="{91240B29-F687-4F45-9708-019B960494DF}">
+              <a14:hiddenLine xmlns:a14="http://schemas.microsoft.com/office/drawing/2010/main" w="9525">
+                <a:solidFill>
+                  <a:srgbClr val="000000"/>
+                </a:solidFill>
+                <a:miter lim="800000"/>
+                <a:headEnd/>
+                <a:tailEnd/>
+              </a14:hiddenLine>
+            </a:ext>
+          </a:extLst>
+        </p:spPr>
+      </p:pic>
+      <p:sp>
+        <p:nvSpPr>
+          <p:cNvPr id="7" name="Rectangle 31">
+            <a:extLst>
+              <a:ext uri="{FF2B5EF4-FFF2-40B4-BE49-F238E27FC236}">
+                <a16:creationId xmlns:a16="http://schemas.microsoft.com/office/drawing/2014/main" id="{56D7E570-4FE2-2F46-A39D-E8C015BB79A5}"/>
+              </a:ext>
+            </a:extLst>
+          </p:cNvPr>
+          <p:cNvSpPr/>
+          <p:nvPr/>
+        </p:nvSpPr>
+        <p:spPr>
+          <a:xfrm>
+            <a:off x="6015211" y="2116683"/>
+            <a:ext cx="5117174" cy="2422431"/>
+          </a:xfrm>
+          <a:prstGeom prst="rect">
+            <a:avLst/>
+          </a:prstGeom>
+          <a:noFill/>
+          <a:ln w="12700">
+            <a:solidFill>
+              <a:srgbClr val="D86613"/>
+            </a:solidFill>
+          </a:ln>
+        </p:spPr>
+        <p:style>
+          <a:lnRef idx="2">
+            <a:schemeClr val="accent1">
+              <a:shade val="50000"/>
+            </a:schemeClr>
+          </a:lnRef>
+          <a:fillRef idx="1">
+            <a:schemeClr val="accent1"/>
+          </a:fillRef>
+          <a:effectRef idx="0">
+            <a:schemeClr val="accent1"/>
+          </a:effectRef>
+          <a:fontRef idx="minor">
+            <a:schemeClr val="lt1"/>
+          </a:fontRef>
+        </p:style>
+        <p:txBody>
+          <a:bodyPr lIns="457200" tIns="91440"/>
+          <a:lstStyle>
+            <a:defPPr>
+              <a:defRPr lang="en-US"/>
+            </a:defPPr>
+            <a:lvl1pPr algn="l" rtl="0" eaLnBrk="0" fontAlgn="base" hangingPunct="0">
+              <a:spcBef>
+                <a:spcPct val="0"/>
+              </a:spcBef>
+              <a:spcAft>
+                <a:spcPct val="0"/>
+              </a:spcAft>
+              <a:defRPr kern="1200">
+                <a:solidFill>
+                  <a:schemeClr val="lt1"/>
+                </a:solidFill>
+                <a:latin typeface="+mn-lt"/>
+                <a:ea typeface="+mn-ea"/>
+                <a:cs typeface="+mn-cs"/>
+              </a:defRPr>
+            </a:lvl1pPr>
+            <a:lvl2pPr marL="457200" algn="l" rtl="0" eaLnBrk="0" fontAlgn="base" hangingPunct="0">
+              <a:spcBef>
+                <a:spcPct val="0"/>
+              </a:spcBef>
+              <a:spcAft>
+                <a:spcPct val="0"/>
+              </a:spcAft>
+              <a:defRPr kern="1200">
+                <a:solidFill>
+                  <a:schemeClr val="lt1"/>
+                </a:solidFill>
+                <a:latin typeface="+mn-lt"/>
+                <a:ea typeface="+mn-ea"/>
+                <a:cs typeface="+mn-cs"/>
+              </a:defRPr>
+            </a:lvl2pPr>
+            <a:lvl3pPr marL="914400" algn="l" rtl="0" eaLnBrk="0" fontAlgn="base" hangingPunct="0">
+              <a:spcBef>
+                <a:spcPct val="0"/>
+              </a:spcBef>
+              <a:spcAft>
+                <a:spcPct val="0"/>
+              </a:spcAft>
+              <a:defRPr kern="1200">
+                <a:solidFill>
+                  <a:schemeClr val="lt1"/>
+                </a:solidFill>
+                <a:latin typeface="+mn-lt"/>
+                <a:ea typeface="+mn-ea"/>
+                <a:cs typeface="+mn-cs"/>
+              </a:defRPr>
+            </a:lvl3pPr>
+            <a:lvl4pPr marL="1371600" algn="l" rtl="0" eaLnBrk="0" fontAlgn="base" hangingPunct="0">
+              <a:spcBef>
+                <a:spcPct val="0"/>
+              </a:spcBef>
+              <a:spcAft>
+                <a:spcPct val="0"/>
+              </a:spcAft>
+              <a:defRPr kern="1200">
+                <a:solidFill>
+                  <a:schemeClr val="lt1"/>
+                </a:solidFill>
+                <a:latin typeface="+mn-lt"/>
+                <a:ea typeface="+mn-ea"/>
+                <a:cs typeface="+mn-cs"/>
+              </a:defRPr>
+            </a:lvl4pPr>
+            <a:lvl5pPr marL="1828800" algn="l" rtl="0" eaLnBrk="0" fontAlgn="base" hangingPunct="0">
+              <a:spcBef>
+                <a:spcPct val="0"/>
+              </a:spcBef>
+              <a:spcAft>
+                <a:spcPct val="0"/>
+              </a:spcAft>
+              <a:defRPr kern="1200">
+                <a:solidFill>
+                  <a:schemeClr val="lt1"/>
+                </a:solidFill>
+                <a:latin typeface="+mn-lt"/>
+                <a:ea typeface="+mn-ea"/>
+                <a:cs typeface="+mn-cs"/>
+              </a:defRPr>
+            </a:lvl5pPr>
+            <a:lvl6pPr marL="2286000" algn="l" defTabSz="914400" rtl="0" eaLnBrk="1" latinLnBrk="1" hangingPunct="1">
+              <a:defRPr kern="1200">
+                <a:solidFill>
+                  <a:schemeClr val="lt1"/>
+                </a:solidFill>
+                <a:latin typeface="+mn-lt"/>
+                <a:ea typeface="+mn-ea"/>
+                <a:cs typeface="+mn-cs"/>
+              </a:defRPr>
+            </a:lvl6pPr>
+            <a:lvl7pPr marL="2743200" algn="l" defTabSz="914400" rtl="0" eaLnBrk="1" latinLnBrk="1" hangingPunct="1">
+              <a:defRPr kern="1200">
+                <a:solidFill>
+                  <a:schemeClr val="lt1"/>
+                </a:solidFill>
+                <a:latin typeface="+mn-lt"/>
+                <a:ea typeface="+mn-ea"/>
+                <a:cs typeface="+mn-cs"/>
+              </a:defRPr>
+            </a:lvl7pPr>
+            <a:lvl8pPr marL="3200400" algn="l" defTabSz="914400" rtl="0" eaLnBrk="1" latinLnBrk="1" hangingPunct="1">
+              <a:defRPr kern="1200">
+                <a:solidFill>
+                  <a:schemeClr val="lt1"/>
+                </a:solidFill>
+                <a:latin typeface="+mn-lt"/>
+                <a:ea typeface="+mn-ea"/>
+                <a:cs typeface="+mn-cs"/>
+              </a:defRPr>
+            </a:lvl8pPr>
+            <a:lvl9pPr marL="3657600" algn="l" defTabSz="914400" rtl="0" eaLnBrk="1" latinLnBrk="1" hangingPunct="1">
+              <a:defRPr kern="1200">
+                <a:solidFill>
+                  <a:schemeClr val="lt1"/>
+                </a:solidFill>
+                <a:latin typeface="+mn-lt"/>
+                <a:ea typeface="+mn-ea"/>
+                <a:cs typeface="+mn-cs"/>
+              </a:defRPr>
+            </a:lvl9pPr>
+          </a:lstStyle>
+          <a:p>
+            <a:pPr eaLnBrk="1" fontAlgn="auto" hangingPunct="1">
+              <a:spcBef>
+                <a:spcPts val="0"/>
+              </a:spcBef>
+              <a:spcAft>
+                <a:spcPts val="0"/>
+              </a:spcAft>
+              <a:defRPr/>
+            </a:pPr>
+            <a:endParaRPr lang="en-US" sz="1200" dirty="0">
+              <a:ln w="0"/>
+              <a:solidFill>
+                <a:srgbClr val="D86613"/>
+              </a:solidFill>
+              <a:latin typeface="Arial" panose="020B0604020202020204" pitchFamily="34" charset="0"/>
+              <a:cs typeface="Arial" panose="020B0604020202020204" pitchFamily="34" charset="0"/>
+            </a:endParaRPr>
+          </a:p>
+        </p:txBody>
+      </p:sp>
+      <p:grpSp>
+        <p:nvGrpSpPr>
+          <p:cNvPr id="11" name="그룹 10">
+            <a:extLst>
+              <a:ext uri="{FF2B5EF4-FFF2-40B4-BE49-F238E27FC236}">
+                <a16:creationId xmlns:a16="http://schemas.microsoft.com/office/drawing/2014/main" id="{0A1DA9B5-D5E6-46DD-B378-E2569BE5FDC0}"/>
+              </a:ext>
+            </a:extLst>
+          </p:cNvPr>
+          <p:cNvGrpSpPr/>
+          <p:nvPr/>
+        </p:nvGrpSpPr>
+        <p:grpSpPr>
+          <a:xfrm>
+            <a:off x="1647329" y="2191506"/>
+            <a:ext cx="1037405" cy="800178"/>
+            <a:chOff x="34147" y="3513833"/>
+            <a:chExt cx="1037405" cy="800178"/>
+          </a:xfrm>
+        </p:grpSpPr>
+        <p:grpSp>
+          <p:nvGrpSpPr>
+            <p:cNvPr id="12" name="그룹 11">
+              <a:extLst>
+                <a:ext uri="{FF2B5EF4-FFF2-40B4-BE49-F238E27FC236}">
+                  <a16:creationId xmlns:a16="http://schemas.microsoft.com/office/drawing/2014/main" id="{7F3AFA71-4AD2-447F-9098-35AC80B637C9}"/>
+                </a:ext>
+              </a:extLst>
+            </p:cNvPr>
+            <p:cNvGrpSpPr/>
+            <p:nvPr/>
+          </p:nvGrpSpPr>
+          <p:grpSpPr>
+            <a:xfrm>
+              <a:off x="34147" y="3513833"/>
+              <a:ext cx="755301" cy="800178"/>
+              <a:chOff x="419622" y="3254806"/>
+              <a:chExt cx="755301" cy="800178"/>
+            </a:xfrm>
+          </p:grpSpPr>
+          <p:pic>
+            <p:nvPicPr>
+              <p:cNvPr id="14" name="Graphic 6">
+                <a:extLst>
+                  <a:ext uri="{FF2B5EF4-FFF2-40B4-BE49-F238E27FC236}">
+                    <a16:creationId xmlns:a16="http://schemas.microsoft.com/office/drawing/2014/main" id="{629D938A-1AA6-4EC9-AC57-A63F17BC4BE5}"/>
+                  </a:ext>
+                </a:extLst>
+              </p:cNvPr>
+              <p:cNvPicPr>
+                <a:picLocks noChangeAspect="1" noChangeArrowheads="1"/>
+              </p:cNvPicPr>
+              <p:nvPr/>
+            </p:nvPicPr>
+            <p:blipFill>
+              <a:blip r:embed="rId4" cstate="hqprint">
+                <a:extLst>
+                  <a:ext uri="{28A0092B-C50C-407E-A947-70E740481C1C}">
+                    <a14:useLocalDpi xmlns:a14="http://schemas.microsoft.com/office/drawing/2010/main" val="0"/>
+                  </a:ext>
+                </a:extLst>
+              </a:blip>
+              <a:srcRect/>
+              <a:stretch>
+                <a:fillRect/>
+              </a:stretch>
+            </p:blipFill>
+            <p:spPr bwMode="auto">
+              <a:xfrm flipH="1">
+                <a:off x="596106" y="3254806"/>
+                <a:ext cx="484188" cy="469900"/>
+              </a:xfrm>
+              <a:prstGeom prst="rect">
+                <a:avLst/>
+              </a:prstGeom>
+              <a:noFill/>
+              <a:ln>
+                <a:noFill/>
+              </a:ln>
+              <a:extLst>
+                <a:ext uri="{909E8E84-426E-40DD-AFC4-6F175D3DCCD1}">
+                  <a14:hiddenFill xmlns:a14="http://schemas.microsoft.com/office/drawing/2010/main">
+                    <a:solidFill>
+                      <a:srgbClr val="FFFFFF"/>
+                    </a:solidFill>
+                  </a14:hiddenFill>
+                </a:ext>
+                <a:ext uri="{91240B29-F687-4F45-9708-019B960494DF}">
+                  <a14:hiddenLine xmlns:a14="http://schemas.microsoft.com/office/drawing/2010/main" w="9525">
+                    <a:solidFill>
+                      <a:srgbClr val="000000"/>
+                    </a:solidFill>
+                    <a:miter lim="800000"/>
+                    <a:headEnd/>
+                    <a:tailEnd/>
+                  </a14:hiddenLine>
+                </a:ext>
+              </a:extLst>
+            </p:spPr>
+          </p:pic>
+          <p:sp>
+            <p:nvSpPr>
+              <p:cNvPr id="15" name="TextBox 9">
+                <a:extLst>
+                  <a:ext uri="{FF2B5EF4-FFF2-40B4-BE49-F238E27FC236}">
+                    <a16:creationId xmlns:a16="http://schemas.microsoft.com/office/drawing/2014/main" id="{CBCE5A81-1AFA-4265-8442-D1A58580E718}"/>
+                  </a:ext>
+                </a:extLst>
+              </p:cNvPr>
+              <p:cNvSpPr txBox="1">
+                <a:spLocks noChangeArrowheads="1"/>
+              </p:cNvSpPr>
+              <p:nvPr/>
+            </p:nvSpPr>
+            <p:spPr bwMode="auto">
+              <a:xfrm>
+                <a:off x="419622" y="3777985"/>
+                <a:ext cx="755301" cy="276999"/>
+              </a:xfrm>
+              <a:prstGeom prst="rect">
+                <a:avLst/>
+              </a:prstGeom>
+              <a:noFill/>
+              <a:ln>
+                <a:noFill/>
+              </a:ln>
+              <a:extLst>
+                <a:ext uri="{909E8E84-426E-40DD-AFC4-6F175D3DCCD1}">
+                  <a14:hiddenFill xmlns:a14="http://schemas.microsoft.com/office/drawing/2010/main">
+                    <a:solidFill>
+                      <a:srgbClr val="FFFFFF"/>
+                    </a:solidFill>
+                  </a14:hiddenFill>
+                </a:ext>
+                <a:ext uri="{91240B29-F687-4F45-9708-019B960494DF}">
+                  <a14:hiddenLine xmlns:a14="http://schemas.microsoft.com/office/drawing/2010/main" w="9525">
+                    <a:solidFill>
+                      <a:srgbClr val="000000"/>
+                    </a:solidFill>
+                    <a:miter lim="800000"/>
+                    <a:headEnd/>
+                    <a:tailEnd/>
+                  </a14:hiddenLine>
+                </a:ext>
+              </a:extLst>
+            </p:spPr>
+            <p:txBody>
+              <a:bodyPr wrap="square">
+                <a:spAutoFit/>
+              </a:bodyPr>
+              <a:lstStyle>
+                <a:defPPr>
+                  <a:defRPr lang="en-US"/>
+                </a:defPPr>
+                <a:lvl1pPr algn="l" rtl="0" eaLnBrk="0" fontAlgn="base" hangingPunct="0">
+                  <a:spcBef>
+                    <a:spcPct val="0"/>
+                  </a:spcBef>
+                  <a:spcAft>
+                    <a:spcPct val="0"/>
+                  </a:spcAft>
+                  <a:defRPr kern="1200">
+                    <a:solidFill>
+                      <a:schemeClr val="tx1"/>
+                    </a:solidFill>
+                    <a:latin typeface="Calibri" panose="020F0502020204030204" pitchFamily="34" charset="0"/>
+                    <a:ea typeface="+mn-ea"/>
+                    <a:cs typeface="+mn-cs"/>
+                  </a:defRPr>
+                </a:lvl1pPr>
+                <a:lvl2pPr marL="457200" algn="l" rtl="0" eaLnBrk="0" fontAlgn="base" hangingPunct="0">
+                  <a:spcBef>
+                    <a:spcPct val="0"/>
+                  </a:spcBef>
+                  <a:spcAft>
+                    <a:spcPct val="0"/>
+                  </a:spcAft>
+                  <a:defRPr kern="1200">
+                    <a:solidFill>
+                      <a:schemeClr val="tx1"/>
+                    </a:solidFill>
+                    <a:latin typeface="Calibri" panose="020F0502020204030204" pitchFamily="34" charset="0"/>
+                    <a:ea typeface="+mn-ea"/>
+                    <a:cs typeface="+mn-cs"/>
+                  </a:defRPr>
+                </a:lvl2pPr>
+                <a:lvl3pPr marL="914400" algn="l" rtl="0" eaLnBrk="0" fontAlgn="base" hangingPunct="0">
+                  <a:spcBef>
+                    <a:spcPct val="0"/>
+                  </a:spcBef>
+                  <a:spcAft>
+                    <a:spcPct val="0"/>
+                  </a:spcAft>
+                  <a:defRPr kern="1200">
+                    <a:solidFill>
+                      <a:schemeClr val="tx1"/>
+                    </a:solidFill>
+                    <a:latin typeface="Calibri" panose="020F0502020204030204" pitchFamily="34" charset="0"/>
+                    <a:ea typeface="+mn-ea"/>
+                    <a:cs typeface="+mn-cs"/>
+                  </a:defRPr>
+                </a:lvl3pPr>
+                <a:lvl4pPr marL="1371600" algn="l" rtl="0" eaLnBrk="0" fontAlgn="base" hangingPunct="0">
+                  <a:spcBef>
+                    <a:spcPct val="0"/>
+                  </a:spcBef>
+                  <a:spcAft>
+                    <a:spcPct val="0"/>
+                  </a:spcAft>
+                  <a:defRPr kern="1200">
+                    <a:solidFill>
+                      <a:schemeClr val="tx1"/>
+                    </a:solidFill>
+                    <a:latin typeface="Calibri" panose="020F0502020204030204" pitchFamily="34" charset="0"/>
+                    <a:ea typeface="+mn-ea"/>
+                    <a:cs typeface="+mn-cs"/>
+                  </a:defRPr>
+                </a:lvl4pPr>
+                <a:lvl5pPr marL="1828800" algn="l" rtl="0" eaLnBrk="0" fontAlgn="base" hangingPunct="0">
+                  <a:spcBef>
+                    <a:spcPct val="0"/>
+                  </a:spcBef>
+                  <a:spcAft>
+                    <a:spcPct val="0"/>
+                  </a:spcAft>
+                  <a:defRPr kern="1200">
+                    <a:solidFill>
+                      <a:schemeClr val="tx1"/>
+                    </a:solidFill>
+                    <a:latin typeface="Calibri" panose="020F0502020204030204" pitchFamily="34" charset="0"/>
+                    <a:ea typeface="+mn-ea"/>
+                    <a:cs typeface="+mn-cs"/>
+                  </a:defRPr>
+                </a:lvl5pPr>
+                <a:lvl6pPr marL="2286000" algn="l" defTabSz="914400" rtl="0" eaLnBrk="1" latinLnBrk="1" hangingPunct="1">
+                  <a:defRPr kern="1200">
+                    <a:solidFill>
+                      <a:schemeClr val="tx1"/>
+                    </a:solidFill>
+                    <a:latin typeface="Calibri" panose="020F0502020204030204" pitchFamily="34" charset="0"/>
+                    <a:ea typeface="+mn-ea"/>
+                    <a:cs typeface="+mn-cs"/>
+                  </a:defRPr>
+                </a:lvl6pPr>
+                <a:lvl7pPr marL="2743200" algn="l" defTabSz="914400" rtl="0" eaLnBrk="1" latinLnBrk="1" hangingPunct="1">
+                  <a:defRPr kern="1200">
+                    <a:solidFill>
+                      <a:schemeClr val="tx1"/>
+                    </a:solidFill>
+                    <a:latin typeface="Calibri" panose="020F0502020204030204" pitchFamily="34" charset="0"/>
+                    <a:ea typeface="+mn-ea"/>
+                    <a:cs typeface="+mn-cs"/>
+                  </a:defRPr>
+                </a:lvl7pPr>
+                <a:lvl8pPr marL="3200400" algn="l" defTabSz="914400" rtl="0" eaLnBrk="1" latinLnBrk="1" hangingPunct="1">
+                  <a:defRPr kern="1200">
+                    <a:solidFill>
+                      <a:schemeClr val="tx1"/>
+                    </a:solidFill>
+                    <a:latin typeface="Calibri" panose="020F0502020204030204" pitchFamily="34" charset="0"/>
+                    <a:ea typeface="+mn-ea"/>
+                    <a:cs typeface="+mn-cs"/>
+                  </a:defRPr>
+                </a:lvl8pPr>
+                <a:lvl9pPr marL="3657600" algn="l" defTabSz="914400" rtl="0" eaLnBrk="1" latinLnBrk="1" hangingPunct="1">
+                  <a:defRPr kern="1200">
+                    <a:solidFill>
+                      <a:schemeClr val="tx1"/>
+                    </a:solidFill>
+                    <a:latin typeface="Calibri" panose="020F0502020204030204" pitchFamily="34" charset="0"/>
+                    <a:ea typeface="+mn-ea"/>
+                    <a:cs typeface="+mn-cs"/>
+                  </a:defRPr>
+                </a:lvl9pPr>
+              </a:lstStyle>
+              <a:p>
+                <a:pPr algn="ctr" eaLnBrk="1" hangingPunct="1"/>
+                <a:r>
+                  <a:rPr lang="en-US" altLang="en-US" sz="1200" dirty="0">
+                    <a:latin typeface="Arial" panose="020B0604020202020204" pitchFamily="34" charset="0"/>
+                    <a:ea typeface="Amazon Ember" pitchFamily="34" charset="0"/>
+                    <a:cs typeface="Arial" panose="020B0604020202020204" pitchFamily="34" charset="0"/>
+                  </a:rPr>
+                  <a:t>Users</a:t>
+                </a:r>
+              </a:p>
+            </p:txBody>
+          </p:sp>
+        </p:grpSp>
+        <p:pic>
+          <p:nvPicPr>
+            <p:cNvPr id="13" name="Picture 32" descr="chrome icon png 이미지 검색결과">
+              <a:extLst>
+                <a:ext uri="{FF2B5EF4-FFF2-40B4-BE49-F238E27FC236}">
+                  <a16:creationId xmlns:a16="http://schemas.microsoft.com/office/drawing/2014/main" id="{CC076EA6-D752-449B-BB52-1FB840F6AE39}"/>
+                </a:ext>
+              </a:extLst>
+            </p:cNvPr>
+            <p:cNvPicPr>
+              <a:picLocks noChangeAspect="1" noChangeArrowheads="1"/>
+            </p:cNvPicPr>
+            <p:nvPr/>
+          </p:nvPicPr>
+          <p:blipFill>
+            <a:blip r:embed="rId5" cstate="hqprint">
+              <a:extLst>
+                <a:ext uri="{28A0092B-C50C-407E-A947-70E740481C1C}">
+                  <a14:useLocalDpi xmlns:a14="http://schemas.microsoft.com/office/drawing/2010/main" val="0"/>
+                </a:ext>
+              </a:extLst>
+            </a:blip>
+            <a:srcRect/>
+            <a:stretch>
+              <a:fillRect/>
+            </a:stretch>
+          </p:blipFill>
+          <p:spPr bwMode="auto">
+            <a:xfrm>
+              <a:off x="737643" y="3662199"/>
+              <a:ext cx="333909" cy="333909"/>
+            </a:xfrm>
+            <a:prstGeom prst="rect">
+              <a:avLst/>
+            </a:prstGeom>
+            <a:noFill/>
+            <a:extLst>
+              <a:ext uri="{909E8E84-426E-40DD-AFC4-6F175D3DCCD1}">
+                <a14:hiddenFill xmlns:a14="http://schemas.microsoft.com/office/drawing/2010/main">
+                  <a:solidFill>
+                    <a:srgbClr val="FFFFFF"/>
+                  </a:solidFill>
+                </a14:hiddenFill>
+              </a:ext>
+            </a:extLst>
+          </p:spPr>
+        </p:pic>
+      </p:grpSp>
+      <p:cxnSp>
+        <p:nvCxnSpPr>
+          <p:cNvPr id="16" name="직선 화살표 연결선 15">
+            <a:extLst>
+              <a:ext uri="{FF2B5EF4-FFF2-40B4-BE49-F238E27FC236}">
+                <a16:creationId xmlns:a16="http://schemas.microsoft.com/office/drawing/2014/main" id="{4D136151-8885-467D-84A1-5C68CEE31CC7}"/>
+              </a:ext>
+            </a:extLst>
+          </p:cNvPr>
+          <p:cNvCxnSpPr>
+            <a:cxnSpLocks/>
+          </p:cNvCxnSpPr>
+          <p:nvPr/>
+        </p:nvCxnSpPr>
+        <p:spPr>
+          <a:xfrm>
+            <a:off x="2864565" y="2506826"/>
+            <a:ext cx="2845084" cy="0"/>
+          </a:xfrm>
+          <a:prstGeom prst="straightConnector1">
+            <a:avLst/>
+          </a:prstGeom>
+          <a:ln w="25400">
+            <a:tailEnd type="triangle"/>
+          </a:ln>
+        </p:spPr>
+        <p:style>
+          <a:lnRef idx="1">
+            <a:schemeClr val="dk1"/>
+          </a:lnRef>
+          <a:fillRef idx="0">
+            <a:schemeClr val="dk1"/>
+          </a:fillRef>
+          <a:effectRef idx="0">
+            <a:schemeClr val="dk1"/>
+          </a:effectRef>
+          <a:fontRef idx="minor">
+            <a:schemeClr val="tx1"/>
+          </a:fontRef>
+        </p:style>
+      </p:cxnSp>
+      <p:sp>
+        <p:nvSpPr>
+          <p:cNvPr id="21" name="TextBox 20">
+            <a:extLst>
+              <a:ext uri="{FF2B5EF4-FFF2-40B4-BE49-F238E27FC236}">
+                <a16:creationId xmlns:a16="http://schemas.microsoft.com/office/drawing/2014/main" id="{4306E35A-9D93-44D0-904B-3D3224DFAF9A}"/>
+              </a:ext>
+            </a:extLst>
+          </p:cNvPr>
+          <p:cNvSpPr txBox="1"/>
+          <p:nvPr/>
+        </p:nvSpPr>
+        <p:spPr>
+          <a:xfrm>
+            <a:off x="2794043" y="1964791"/>
+            <a:ext cx="2780954" cy="461665"/>
+          </a:xfrm>
+          <a:prstGeom prst="rect">
+            <a:avLst/>
+          </a:prstGeom>
+          <a:noFill/>
+        </p:spPr>
+        <p:txBody>
+          <a:bodyPr wrap="none" rtlCol="0">
+            <a:spAutoFit/>
+          </a:bodyPr>
+          <a:lstStyle/>
+          <a:p>
+            <a:r>
+              <a:rPr lang="en-US" altLang="ko-KR" sz="1200" dirty="0" smtClean="0"/>
               <a:t>POST/GET /</a:t>
             </a:r>
             <a:r>
@@ -7359,15 +9257,15 @@
           <a:p>
             <a:r>
               <a:rPr lang="en-US" altLang="ko-KR" sz="1200" dirty="0" smtClean="0"/>
-              <a:t>Header -&gt; authorization: Bearer </a:t>
+              <a:t>Header -&gt; authorization: </a:t>
+            </a:r>
+            <a:r>
+              <a:rPr lang="en-US" altLang="ko-KR" sz="1200" dirty="0" smtClean="0"/>
+              <a:t>Bearer </a:t>
             </a:r>
             <a:r>
               <a:rPr lang="ko-KR" altLang="en-US" sz="1200" dirty="0" smtClean="0"/>
-              <a:t>세션</a:t>
-            </a:r>
-            <a:r>
-              <a:rPr lang="en-US" altLang="ko-KR" sz="1200" dirty="0" smtClean="0"/>
-              <a:t>Id</a:t>
+              <a:t>토큰</a:t>
             </a:r>
             <a:endParaRPr lang="ko-KR" altLang="en-US" sz="1200" dirty="0"/>
           </a:p>
@@ -9764,7 +11662,7 @@
 </p:sld>
 </file>
 
-<file path=ppt/slides/slide12.xml><?xml version="1.0" encoding="utf-8"?>
+<file path=ppt/slides/slide13.xml><?xml version="1.0" encoding="utf-8"?>
 <p:sld xmlns:a="http://schemas.openxmlformats.org/drawingml/2006/main" xmlns:r="http://schemas.openxmlformats.org/officeDocument/2006/relationships" xmlns:p="http://schemas.openxmlformats.org/presentationml/2006/main">
   <p:cSld>
     <p:spTree>
@@ -9848,7 +11746,7 @@
 </p:sld>
 </file>
 
-<file path=ppt/slides/slide13.xml><?xml version="1.0" encoding="utf-8"?>
+<file path=ppt/slides/slide14.xml><?xml version="1.0" encoding="utf-8"?>
 <p:sld xmlns:a="http://schemas.openxmlformats.org/drawingml/2006/main" xmlns:r="http://schemas.openxmlformats.org/officeDocument/2006/relationships" xmlns:p="http://schemas.openxmlformats.org/presentationml/2006/main">
   <p:cSld>
     <p:spTree>
@@ -10398,7 +12296,7 @@
         </p:nvGrpSpPr>
         <p:grpSpPr>
           <a:xfrm>
-            <a:off x="10366132" y="3704734"/>
+            <a:off x="10366132" y="3416995"/>
             <a:ext cx="1632960" cy="1763335"/>
             <a:chOff x="5770578" y="1472831"/>
             <a:chExt cx="1164652" cy="1244660"/>
@@ -10483,7 +12381,7 @@
         </p:nvCxnSpPr>
         <p:spPr>
           <a:xfrm>
-            <a:off x="3143683" y="5028509"/>
+            <a:off x="3058202" y="5879456"/>
             <a:ext cx="7222449" cy="18688"/>
           </a:xfrm>
           <a:prstGeom prst="straightConnector1">
@@ -10516,7 +12414,7 @@
         </p:nvCxnSpPr>
         <p:spPr>
           <a:xfrm flipH="1" flipV="1">
-            <a:off x="3143683" y="5262513"/>
+            <a:off x="3058202" y="6113460"/>
             <a:ext cx="7222450" cy="17123"/>
           </a:xfrm>
           <a:prstGeom prst="straightConnector1">
@@ -10549,7 +12447,7 @@
         </p:nvSpPr>
         <p:spPr>
           <a:xfrm>
-            <a:off x="3439540" y="4599382"/>
+            <a:off x="3354059" y="5450329"/>
             <a:ext cx="2633093" cy="276999"/>
           </a:xfrm>
           <a:prstGeom prst="rect">
@@ -10587,7 +12485,7 @@
         </p:nvSpPr>
         <p:spPr>
           <a:xfrm>
-            <a:off x="8453598" y="5373789"/>
+            <a:off x="8368117" y="6224736"/>
             <a:ext cx="1887055" cy="276999"/>
           </a:xfrm>
           <a:prstGeom prst="rect">
@@ -10661,7 +12559,7 @@
         </p:nvSpPr>
         <p:spPr>
           <a:xfrm>
-            <a:off x="3076569" y="4604534"/>
+            <a:off x="2991088" y="5455481"/>
             <a:ext cx="305189" cy="294609"/>
           </a:xfrm>
           <a:prstGeom prst="ellipse">
@@ -10690,8 +12588,8 @@
           <a:p>
             <a:pPr algn="ctr"/>
             <a:r>
-              <a:rPr lang="en-US" altLang="ko-KR" sz="1400" dirty="0" smtClean="0"/>
-              <a:t>6</a:t>
+              <a:rPr lang="en-US" altLang="ko-KR" sz="1400" dirty="0"/>
+              <a:t>7</a:t>
             </a:r>
             <a:endParaRPr lang="ko-KR" altLang="en-US" sz="1400" dirty="0"/>
           </a:p>
@@ -11190,8 +13088,8 @@
         </p:nvCxnSpPr>
         <p:spPr>
           <a:xfrm flipV="1">
-            <a:off x="3952663" y="2265852"/>
-            <a:ext cx="2731846" cy="1559"/>
+            <a:off x="2991088" y="2265853"/>
+            <a:ext cx="3693421" cy="2562"/>
           </a:xfrm>
           <a:prstGeom prst="straightConnector1">
             <a:avLst/>
@@ -11297,7 +13195,7 @@
         </p:nvSpPr>
         <p:spPr>
           <a:xfrm>
-            <a:off x="4166966" y="2695396"/>
+            <a:off x="2915746" y="2837045"/>
             <a:ext cx="818620" cy="562252"/>
           </a:xfrm>
           <a:prstGeom prst="flowChartDocument">
@@ -11341,8 +13239,8 @@
         </p:nvSpPr>
         <p:spPr>
           <a:xfrm>
-            <a:off x="5387189" y="2523180"/>
-            <a:ext cx="1370888" cy="646331"/>
+            <a:off x="4331009" y="2486459"/>
+            <a:ext cx="2338417" cy="646331"/>
           </a:xfrm>
           <a:prstGeom prst="rect">
             <a:avLst/>
@@ -11350,7 +13248,7 @@
           <a:noFill/>
         </p:spPr>
         <p:txBody>
-          <a:bodyPr wrap="none" rtlCol="0">
+          <a:bodyPr wrap="square" rtlCol="0">
             <a:spAutoFit/>
           </a:bodyPr>
           <a:lstStyle/>
@@ -11364,7 +13262,11 @@
           <a:p>
             <a:r>
               <a:rPr lang="ko-KR" altLang="en-US" sz="1200" dirty="0" smtClean="0"/>
-              <a:t>토큰 정보 저장</a:t>
+              <a:t>토큰 정보 </a:t>
+            </a:r>
+            <a:r>
+              <a:rPr lang="ko-KR" altLang="en-US" sz="1200" dirty="0" smtClean="0"/>
+              <a:t>저장</a:t>
             </a:r>
             <a:endParaRPr lang="en-US" altLang="ko-KR" sz="1200" dirty="0" smtClean="0"/>
           </a:p>
@@ -11373,6 +13275,7 @@
               <a:rPr lang="en-US" altLang="ko-KR" sz="1200" dirty="0" smtClean="0"/>
               <a:t>domain=xxx.com</a:t>
             </a:r>
+            <a:endParaRPr lang="en-US" altLang="ko-KR" sz="1200" dirty="0" smtClean="0"/>
           </a:p>
         </p:txBody>
       </p:sp>
@@ -11384,7 +13287,7 @@
         </p:nvSpPr>
         <p:spPr>
           <a:xfrm>
-            <a:off x="5082000" y="2550589"/>
+            <a:off x="3972843" y="2763474"/>
             <a:ext cx="305189" cy="294609"/>
           </a:xfrm>
           <a:prstGeom prst="ellipse">
@@ -11427,9 +13330,9 @@
           <p:nvPr/>
         </p:nvCxnSpPr>
         <p:spPr>
-          <a:xfrm flipH="1">
-            <a:off x="5148622" y="3276124"/>
-            <a:ext cx="1454119" cy="0"/>
+          <a:xfrm flipH="1" flipV="1">
+            <a:off x="3889115" y="3200548"/>
+            <a:ext cx="2741396" cy="14178"/>
           </a:xfrm>
           <a:prstGeom prst="straightConnector1">
             <a:avLst/>
@@ -11461,8 +13364,8 @@
         </p:nvCxnSpPr>
         <p:spPr>
           <a:xfrm flipH="1">
-            <a:off x="3861346" y="3705251"/>
-            <a:ext cx="2741395" cy="0"/>
+            <a:off x="3058202" y="3705251"/>
+            <a:ext cx="3544540" cy="629"/>
           </a:xfrm>
           <a:prstGeom prst="straightConnector1">
             <a:avLst/>
@@ -11494,7 +13397,7 @@
         </p:nvSpPr>
         <p:spPr>
           <a:xfrm>
-            <a:off x="4308523" y="3868098"/>
+            <a:off x="4304446" y="3385441"/>
             <a:ext cx="2294218" cy="276999"/>
           </a:xfrm>
           <a:prstGeom prst="rect">
@@ -11524,7 +13427,7 @@
         </p:nvSpPr>
         <p:spPr>
           <a:xfrm>
-            <a:off x="3991903" y="3855218"/>
+            <a:off x="3987826" y="3372561"/>
             <a:ext cx="305189" cy="294609"/>
           </a:xfrm>
           <a:prstGeom prst="ellipse">
@@ -12002,39 +13905,6 @@
           </p:txBody>
         </p:sp>
       </p:grpSp>
-      <p:cxnSp>
-        <p:nvCxnSpPr>
-          <p:cNvPr id="97" name="직선 화살표 연결선 96"/>
-          <p:cNvCxnSpPr/>
-          <p:nvPr/>
-        </p:nvCxnSpPr>
-        <p:spPr>
-          <a:xfrm flipV="1">
-            <a:off x="3019287" y="3103439"/>
-            <a:ext cx="817712" cy="247"/>
-          </a:xfrm>
-          <a:prstGeom prst="straightConnector1">
-            <a:avLst/>
-          </a:prstGeom>
-          <a:ln>
-            <a:tailEnd type="triangle"/>
-          </a:ln>
-        </p:spPr>
-        <p:style>
-          <a:lnRef idx="3">
-            <a:schemeClr val="dk1"/>
-          </a:lnRef>
-          <a:fillRef idx="0">
-            <a:schemeClr val="dk1"/>
-          </a:fillRef>
-          <a:effectRef idx="2">
-            <a:schemeClr val="dk1"/>
-          </a:effectRef>
-          <a:fontRef idx="minor">
-            <a:schemeClr val="tx1"/>
-          </a:fontRef>
-        </p:style>
-      </p:cxnSp>
       <p:sp>
         <p:nvSpPr>
           <p:cNvPr id="104" name="타원 103"/>
@@ -12043,7 +13913,7 @@
         </p:nvSpPr>
         <p:spPr>
           <a:xfrm>
-            <a:off x="2838494" y="2639498"/>
+            <a:off x="1540187" y="3762313"/>
             <a:ext cx="305189" cy="294609"/>
           </a:xfrm>
           <a:prstGeom prst="ellipse">
@@ -12087,8 +13957,8 @@
         </p:nvSpPr>
         <p:spPr>
           <a:xfrm>
-            <a:off x="3115701" y="2657108"/>
-            <a:ext cx="1029449" cy="276999"/>
+            <a:off x="1817394" y="3779923"/>
+            <a:ext cx="1029449" cy="461665"/>
           </a:xfrm>
           <a:prstGeom prst="rect">
             <a:avLst/>
@@ -12103,10 +13973,16 @@
           <a:p>
             <a:r>
               <a:rPr lang="en-US" altLang="ko-KR" sz="1200" dirty="0" smtClean="0"/>
+              <a:t>Token</a:t>
+            </a:r>
+          </a:p>
+          <a:p>
+            <a:r>
+              <a:rPr lang="en-US" altLang="ko-KR" sz="1200" dirty="0" smtClean="0"/>
               <a:t>Cookie</a:t>
             </a:r>
             <a:r>
-              <a:rPr lang="ko-KR" altLang="en-US" sz="1200" dirty="0"/>
+              <a:rPr lang="ko-KR" altLang="en-US" sz="1200" dirty="0" smtClean="0"/>
               <a:t> </a:t>
             </a:r>
             <a:r>
@@ -12114,6 +13990,188 @@
               <a:t>조회</a:t>
             </a:r>
             <a:endParaRPr lang="ko-KR" altLang="en-US" sz="1200" dirty="0"/>
+          </a:p>
+        </p:txBody>
+      </p:sp>
+      <p:cxnSp>
+        <p:nvCxnSpPr>
+          <p:cNvPr id="62" name="직선 화살표 연결선 61"/>
+          <p:cNvCxnSpPr/>
+          <p:nvPr/>
+        </p:nvCxnSpPr>
+        <p:spPr>
+          <a:xfrm>
+            <a:off x="3019287" y="4766517"/>
+            <a:ext cx="7222449" cy="18688"/>
+          </a:xfrm>
+          <a:prstGeom prst="straightConnector1">
+            <a:avLst/>
+          </a:prstGeom>
+          <a:ln>
+            <a:tailEnd type="triangle"/>
+          </a:ln>
+        </p:spPr>
+        <p:style>
+          <a:lnRef idx="3">
+            <a:schemeClr val="dk1"/>
+          </a:lnRef>
+          <a:fillRef idx="0">
+            <a:schemeClr val="dk1"/>
+          </a:fillRef>
+          <a:effectRef idx="2">
+            <a:schemeClr val="dk1"/>
+          </a:effectRef>
+          <a:fontRef idx="minor">
+            <a:schemeClr val="tx1"/>
+          </a:fontRef>
+        </p:style>
+      </p:cxnSp>
+      <p:cxnSp>
+        <p:nvCxnSpPr>
+          <p:cNvPr id="63" name="직선 화살표 연결선 62"/>
+          <p:cNvCxnSpPr/>
+          <p:nvPr/>
+        </p:nvCxnSpPr>
+        <p:spPr>
+          <a:xfrm flipH="1" flipV="1">
+            <a:off x="3019287" y="5000521"/>
+            <a:ext cx="7222450" cy="17123"/>
+          </a:xfrm>
+          <a:prstGeom prst="straightConnector1">
+            <a:avLst/>
+          </a:prstGeom>
+          <a:ln>
+            <a:tailEnd type="triangle"/>
+          </a:ln>
+        </p:spPr>
+        <p:style>
+          <a:lnRef idx="3">
+            <a:schemeClr val="dk1"/>
+          </a:lnRef>
+          <a:fillRef idx="0">
+            <a:schemeClr val="dk1"/>
+          </a:fillRef>
+          <a:effectRef idx="2">
+            <a:schemeClr val="dk1"/>
+          </a:effectRef>
+          <a:fontRef idx="minor">
+            <a:schemeClr val="tx1"/>
+          </a:fontRef>
+        </p:style>
+      </p:cxnSp>
+      <p:sp>
+        <p:nvSpPr>
+          <p:cNvPr id="64" name="TextBox 63"/>
+          <p:cNvSpPr txBox="1"/>
+          <p:nvPr/>
+        </p:nvSpPr>
+        <p:spPr>
+          <a:xfrm>
+            <a:off x="3315144" y="4337390"/>
+            <a:ext cx="2633093" cy="276999"/>
+          </a:xfrm>
+          <a:prstGeom prst="rect">
+            <a:avLst/>
+          </a:prstGeom>
+          <a:noFill/>
+        </p:spPr>
+        <p:txBody>
+          <a:bodyPr wrap="none" rtlCol="0">
+            <a:spAutoFit/>
+          </a:bodyPr>
+          <a:lstStyle/>
+          <a:p>
+            <a:r>
+              <a:rPr lang="en-US" altLang="ko-KR" sz="1200" dirty="0" smtClean="0"/>
+              <a:t>Header: Token, </a:t>
+            </a:r>
+            <a:r>
+              <a:rPr lang="ko-KR" altLang="en-US" sz="1200" dirty="0" smtClean="0"/>
+              <a:t>프로필 조회</a:t>
+            </a:r>
+            <a:r>
+              <a:rPr lang="en-US" altLang="ko-KR" sz="1200" dirty="0" smtClean="0"/>
+              <a:t>(</a:t>
+            </a:r>
+            <a:r>
+              <a:rPr lang="en-US" altLang="ko-KR" sz="1200" dirty="0" smtClean="0"/>
+              <a:t>access)</a:t>
+            </a:r>
+            <a:endParaRPr lang="ko-KR" altLang="en-US" sz="1200" dirty="0"/>
+          </a:p>
+        </p:txBody>
+      </p:sp>
+      <p:sp>
+        <p:nvSpPr>
+          <p:cNvPr id="65" name="TextBox 64"/>
+          <p:cNvSpPr txBox="1"/>
+          <p:nvPr/>
+        </p:nvSpPr>
+        <p:spPr>
+          <a:xfrm>
+            <a:off x="8329202" y="5111797"/>
+            <a:ext cx="1370888" cy="276999"/>
+          </a:xfrm>
+          <a:prstGeom prst="rect">
+            <a:avLst/>
+          </a:prstGeom>
+          <a:noFill/>
+        </p:spPr>
+        <p:txBody>
+          <a:bodyPr wrap="none" rtlCol="0">
+            <a:spAutoFit/>
+          </a:bodyPr>
+          <a:lstStyle/>
+          <a:p>
+            <a:r>
+              <a:rPr lang="ko-KR" altLang="en-US" sz="1200" dirty="0" smtClean="0"/>
+              <a:t>프로필 정보 응답</a:t>
+            </a:r>
+            <a:endParaRPr lang="ko-KR" altLang="en-US" sz="1200" dirty="0"/>
+          </a:p>
+        </p:txBody>
+      </p:sp>
+      <p:sp>
+        <p:nvSpPr>
+          <p:cNvPr id="67" name="타원 66"/>
+          <p:cNvSpPr/>
+          <p:nvPr/>
+        </p:nvSpPr>
+        <p:spPr>
+          <a:xfrm>
+            <a:off x="2952173" y="4342542"/>
+            <a:ext cx="305189" cy="294609"/>
+          </a:xfrm>
+          <a:prstGeom prst="ellipse">
+            <a:avLst/>
+          </a:prstGeom>
+        </p:spPr>
+        <p:style>
+          <a:lnRef idx="2">
+            <a:schemeClr val="accent2">
+              <a:shade val="50000"/>
+            </a:schemeClr>
+          </a:lnRef>
+          <a:fillRef idx="1">
+            <a:schemeClr val="accent2"/>
+          </a:fillRef>
+          <a:effectRef idx="0">
+            <a:schemeClr val="accent2"/>
+          </a:effectRef>
+          <a:fontRef idx="minor">
+            <a:schemeClr val="lt1"/>
+          </a:fontRef>
+        </p:style>
+        <p:txBody>
+          <a:bodyPr rtlCol="0" anchor="ctr"/>
+          <a:lstStyle/>
+          <a:p>
+            <a:pPr algn="ctr"/>
+            <a:r>
+              <a:rPr lang="en-US" altLang="ko-KR" sz="1400" dirty="0" smtClean="0"/>
+              <a:t>6</a:t>
+            </a:r>
+            <a:endParaRPr lang="ko-KR" altLang="en-US" sz="1400" dirty="0"/>
           </a:p>
         </p:txBody>
       </p:sp>
@@ -12137,7 +14195,7 @@
 </p:sld>
 </file>
 
-<file path=ppt/slides/slide14.xml><?xml version="1.0" encoding="utf-8"?>
+<file path=ppt/slides/slide15.xml><?xml version="1.0" encoding="utf-8"?>
 <p:sld xmlns:a="http://schemas.openxmlformats.org/drawingml/2006/main" xmlns:r="http://schemas.openxmlformats.org/officeDocument/2006/relationships" xmlns:p="http://schemas.openxmlformats.org/presentationml/2006/main">
   <p:cSld>
     <p:spTree>
@@ -31321,7 +33379,6 @@
               <a:rPr lang="en-US" altLang="ko-KR" sz="1400" dirty="0" smtClean="0"/>
               <a:t>)</a:t>
             </a:r>
-            <a:endParaRPr lang="en-US" altLang="ko-KR" sz="1400" dirty="0" smtClean="0"/>
           </a:p>
           <a:p>
             <a:pPr marL="285750" indent="-285750">

--- a/8-msa/auth/-. 인증, 허가, 세션.pptx
+++ b/8-msa/auth/-. 인증, 허가, 세션.pptx
@@ -273,7 +273,7 @@
           <a:p>
             <a:fld id="{BE385318-83E2-4817-A0DC-E225F8203930}" type="datetimeFigureOut">
               <a:rPr lang="ko-KR" altLang="en-US" smtClean="0"/>
-              <a:t>2021-10-15</a:t>
+              <a:t>2021-10-18</a:t>
             </a:fld>
             <a:endParaRPr lang="ko-KR" altLang="en-US"/>
           </a:p>
@@ -471,7 +471,7 @@
           <a:p>
             <a:fld id="{BE385318-83E2-4817-A0DC-E225F8203930}" type="datetimeFigureOut">
               <a:rPr lang="ko-KR" altLang="en-US" smtClean="0"/>
-              <a:t>2021-10-15</a:t>
+              <a:t>2021-10-18</a:t>
             </a:fld>
             <a:endParaRPr lang="ko-KR" altLang="en-US"/>
           </a:p>
@@ -679,7 +679,7 @@
           <a:p>
             <a:fld id="{BE385318-83E2-4817-A0DC-E225F8203930}" type="datetimeFigureOut">
               <a:rPr lang="ko-KR" altLang="en-US" smtClean="0"/>
-              <a:t>2021-10-15</a:t>
+              <a:t>2021-10-18</a:t>
             </a:fld>
             <a:endParaRPr lang="ko-KR" altLang="en-US"/>
           </a:p>
@@ -877,7 +877,7 @@
           <a:p>
             <a:fld id="{BE385318-83E2-4817-A0DC-E225F8203930}" type="datetimeFigureOut">
               <a:rPr lang="ko-KR" altLang="en-US" smtClean="0"/>
-              <a:t>2021-10-15</a:t>
+              <a:t>2021-10-18</a:t>
             </a:fld>
             <a:endParaRPr lang="ko-KR" altLang="en-US"/>
           </a:p>
@@ -1152,7 +1152,7 @@
           <a:p>
             <a:fld id="{BE385318-83E2-4817-A0DC-E225F8203930}" type="datetimeFigureOut">
               <a:rPr lang="ko-KR" altLang="en-US" smtClean="0"/>
-              <a:t>2021-10-15</a:t>
+              <a:t>2021-10-18</a:t>
             </a:fld>
             <a:endParaRPr lang="ko-KR" altLang="en-US"/>
           </a:p>
@@ -1417,7 +1417,7 @@
           <a:p>
             <a:fld id="{BE385318-83E2-4817-A0DC-E225F8203930}" type="datetimeFigureOut">
               <a:rPr lang="ko-KR" altLang="en-US" smtClean="0"/>
-              <a:t>2021-10-15</a:t>
+              <a:t>2021-10-18</a:t>
             </a:fld>
             <a:endParaRPr lang="ko-KR" altLang="en-US"/>
           </a:p>
@@ -1829,7 +1829,7 @@
           <a:p>
             <a:fld id="{BE385318-83E2-4817-A0DC-E225F8203930}" type="datetimeFigureOut">
               <a:rPr lang="ko-KR" altLang="en-US" smtClean="0"/>
-              <a:t>2021-10-15</a:t>
+              <a:t>2021-10-18</a:t>
             </a:fld>
             <a:endParaRPr lang="ko-KR" altLang="en-US"/>
           </a:p>
@@ -1970,7 +1970,7 @@
           <a:p>
             <a:fld id="{BE385318-83E2-4817-A0DC-E225F8203930}" type="datetimeFigureOut">
               <a:rPr lang="ko-KR" altLang="en-US" smtClean="0"/>
-              <a:t>2021-10-15</a:t>
+              <a:t>2021-10-18</a:t>
             </a:fld>
             <a:endParaRPr lang="ko-KR" altLang="en-US"/>
           </a:p>
@@ -2083,7 +2083,7 @@
           <a:p>
             <a:fld id="{BE385318-83E2-4817-A0DC-E225F8203930}" type="datetimeFigureOut">
               <a:rPr lang="ko-KR" altLang="en-US" smtClean="0"/>
-              <a:t>2021-10-15</a:t>
+              <a:t>2021-10-18</a:t>
             </a:fld>
             <a:endParaRPr lang="ko-KR" altLang="en-US"/>
           </a:p>
@@ -2394,7 +2394,7 @@
           <a:p>
             <a:fld id="{BE385318-83E2-4817-A0DC-E225F8203930}" type="datetimeFigureOut">
               <a:rPr lang="ko-KR" altLang="en-US" smtClean="0"/>
-              <a:t>2021-10-15</a:t>
+              <a:t>2021-10-18</a:t>
             </a:fld>
             <a:endParaRPr lang="ko-KR" altLang="en-US"/>
           </a:p>
@@ -2682,7 +2682,7 @@
           <a:p>
             <a:fld id="{BE385318-83E2-4817-A0DC-E225F8203930}" type="datetimeFigureOut">
               <a:rPr lang="ko-KR" altLang="en-US" smtClean="0"/>
-              <a:t>2021-10-15</a:t>
+              <a:t>2021-10-18</a:t>
             </a:fld>
             <a:endParaRPr lang="ko-KR" altLang="en-US"/>
           </a:p>
@@ -2923,7 +2923,7 @@
           <a:p>
             <a:fld id="{BE385318-83E2-4817-A0DC-E225F8203930}" type="datetimeFigureOut">
               <a:rPr lang="ko-KR" altLang="en-US" smtClean="0"/>
-              <a:t>2021-10-15</a:t>
+              <a:t>2021-10-18</a:t>
             </a:fld>
             <a:endParaRPr lang="ko-KR" altLang="en-US"/>
           </a:p>
@@ -6216,7 +6216,7 @@
           <a:p>
             <a:pPr algn="ctr"/>
             <a:r>
-              <a:rPr lang="en-US" altLang="ko-KR" sz="1400" dirty="0"/>
+              <a:rPr lang="en-US" altLang="ko-KR" sz="1400" dirty="0" smtClean="0"/>
               <a:t>4</a:t>
             </a:r>
             <a:endParaRPr lang="ko-KR" altLang="en-US" sz="1400" dirty="0"/>
@@ -6260,8 +6260,8 @@
           <a:p>
             <a:pPr algn="ctr"/>
             <a:r>
-              <a:rPr lang="en-US" altLang="ko-KR" sz="1400" dirty="0" smtClean="0"/>
-              <a:t>5</a:t>
+              <a:rPr lang="en-US" altLang="ko-KR" sz="1400" dirty="0"/>
+              <a:t>4</a:t>
             </a:r>
             <a:endParaRPr lang="ko-KR" altLang="en-US" sz="1400" dirty="0"/>
           </a:p>
@@ -6305,7 +6305,7 @@
             <a:pPr algn="ctr"/>
             <a:r>
               <a:rPr lang="en-US" altLang="ko-KR" sz="1400" dirty="0"/>
-              <a:t>6</a:t>
+              <a:t>4</a:t>
             </a:r>
             <a:endParaRPr lang="ko-KR" altLang="en-US" sz="1400" dirty="0"/>
           </a:p>
@@ -6348,8 +6348,8 @@
           <a:p>
             <a:pPr algn="ctr"/>
             <a:r>
-              <a:rPr lang="en-US" altLang="ko-KR" sz="1400" dirty="0" smtClean="0"/>
-              <a:t>7</a:t>
+              <a:rPr lang="en-US" altLang="ko-KR" sz="1400" dirty="0"/>
+              <a:t>5</a:t>
             </a:r>
             <a:endParaRPr lang="ko-KR" altLang="en-US" sz="1400" dirty="0"/>
           </a:p>
@@ -7356,16 +7356,11 @@
               <a:rPr lang="en-US" altLang="ko-KR" sz="1200" dirty="0" smtClean="0"/>
               <a:t>/profile</a:t>
             </a:r>
-            <a:endParaRPr lang="en-US" altLang="ko-KR" sz="1200" dirty="0" smtClean="0"/>
           </a:p>
           <a:p>
             <a:r>
               <a:rPr lang="en-US" altLang="ko-KR" sz="1200" dirty="0" smtClean="0"/>
-              <a:t>Header -&gt; authorization: </a:t>
-            </a:r>
-            <a:r>
-              <a:rPr lang="en-US" altLang="ko-KR" sz="1200" dirty="0" smtClean="0"/>
-              <a:t>Bearer </a:t>
+              <a:t>Header -&gt; authorization: Bearer </a:t>
             </a:r>
             <a:r>
               <a:rPr lang="ko-KR" altLang="en-US" sz="1200" dirty="0" smtClean="0"/>
@@ -8152,7 +8147,6 @@
               <a:rPr lang="ko-KR" altLang="en-US" sz="3600" dirty="0"/>
               <a:t>프로필 정보 조회</a:t>
             </a:r>
-            <a:endParaRPr lang="ko-KR" altLang="en-US" sz="3600" dirty="0"/>
           </a:p>
         </p:txBody>
       </p:sp>
@@ -9257,11 +9251,7 @@
           <a:p>
             <a:r>
               <a:rPr lang="en-US" altLang="ko-KR" sz="1200" dirty="0" smtClean="0"/>
-              <a:t>Header -&gt; authorization: </a:t>
-            </a:r>
-            <a:r>
-              <a:rPr lang="en-US" altLang="ko-KR" sz="1200" dirty="0" smtClean="0"/>
-              <a:t>Bearer </a:t>
+              <a:t>Header -&gt; authorization: Bearer </a:t>
             </a:r>
             <a:r>
               <a:rPr lang="ko-KR" altLang="en-US" sz="1200" dirty="0" smtClean="0"/>
@@ -13262,11 +13252,7 @@
           <a:p>
             <a:r>
               <a:rPr lang="ko-KR" altLang="en-US" sz="1200" dirty="0" smtClean="0"/>
-              <a:t>토큰 정보 </a:t>
-            </a:r>
-            <a:r>
-              <a:rPr lang="ko-KR" altLang="en-US" sz="1200" dirty="0" smtClean="0"/>
-              <a:t>저장</a:t>
+              <a:t>토큰 정보 저장</a:t>
             </a:r>
             <a:endParaRPr lang="en-US" altLang="ko-KR" sz="1200" dirty="0" smtClean="0"/>
           </a:p>
@@ -13275,7 +13261,6 @@
               <a:rPr lang="en-US" altLang="ko-KR" sz="1200" dirty="0" smtClean="0"/>
               <a:t>domain=xxx.com</a:t>
             </a:r>
-            <a:endParaRPr lang="en-US" altLang="ko-KR" sz="1200" dirty="0" smtClean="0"/>
           </a:p>
         </p:txBody>
       </p:sp>
@@ -13983,11 +13968,7 @@
             </a:r>
             <a:r>
               <a:rPr lang="ko-KR" altLang="en-US" sz="1200" dirty="0" smtClean="0"/>
-              <a:t> </a:t>
-            </a:r>
-            <a:r>
-              <a:rPr lang="ko-KR" altLang="en-US" sz="1200" dirty="0" smtClean="0"/>
-              <a:t>조회</a:t>
+              <a:t> 조회</a:t>
             </a:r>
             <a:endParaRPr lang="ko-KR" altLang="en-US" sz="1200" dirty="0"/>
           </a:p>
@@ -14091,11 +14072,7 @@
             </a:r>
             <a:r>
               <a:rPr lang="en-US" altLang="ko-KR" sz="1200" dirty="0" smtClean="0"/>
-              <a:t>(</a:t>
-            </a:r>
-            <a:r>
-              <a:rPr lang="en-US" altLang="ko-KR" sz="1200" dirty="0" smtClean="0"/>
-              <a:t>access)</a:t>
+              <a:t>(access)</a:t>
             </a:r>
             <a:endParaRPr lang="ko-KR" altLang="en-US" sz="1200" dirty="0"/>
           </a:p>
